--- a/Lecture/Lecture 30/Lecture 30.pptx
+++ b/Lecture/Lecture 30/Lecture 30.pptx
@@ -6,10 +6,10 @@
     <p:sldMasterId id="2147483676" r:id="rId2"/>
   </p:sldMasterIdLst>
   <p:notesMasterIdLst>
-    <p:notesMasterId r:id="rId37"/>
+    <p:notesMasterId r:id="rId29"/>
   </p:notesMasterIdLst>
   <p:handoutMasterIdLst>
-    <p:handoutMasterId r:id="rId38"/>
+    <p:handoutMasterId r:id="rId30"/>
   </p:handoutMasterIdLst>
   <p:sldIdLst>
     <p:sldId id="320" r:id="rId3"/>
@@ -33,24 +33,16 @@
     <p:sldId id="416" r:id="rId21"/>
     <p:sldId id="417" r:id="rId22"/>
     <p:sldId id="418" r:id="rId23"/>
-    <p:sldId id="420" r:id="rId24"/>
-    <p:sldId id="421" r:id="rId25"/>
-    <p:sldId id="422" r:id="rId26"/>
-    <p:sldId id="423" r:id="rId27"/>
-    <p:sldId id="419" r:id="rId28"/>
-    <p:sldId id="424" r:id="rId29"/>
-    <p:sldId id="425" r:id="rId30"/>
-    <p:sldId id="426" r:id="rId31"/>
-    <p:sldId id="427" r:id="rId32"/>
-    <p:sldId id="428" r:id="rId33"/>
-    <p:sldId id="429" r:id="rId34"/>
-    <p:sldId id="430" r:id="rId35"/>
-    <p:sldId id="329" r:id="rId36"/>
+    <p:sldId id="423" r:id="rId24"/>
+    <p:sldId id="420" r:id="rId25"/>
+    <p:sldId id="421" r:id="rId26"/>
+    <p:sldId id="422" r:id="rId27"/>
+    <p:sldId id="329" r:id="rId28"/>
   </p:sldIdLst>
   <p:sldSz cx="9144000" cy="6858000" type="screen4x3"/>
   <p:notesSz cx="6858000" cy="9144000"/>
   <p:custDataLst>
-    <p:tags r:id="rId39"/>
+    <p:tags r:id="rId31"/>
   </p:custDataLst>
   <p:defaultTextStyle>
     <a:defPPr>
@@ -321,7 +313,7 @@
               <a:pPr>
                 <a:defRPr/>
               </a:pPr>
-              <a:t>11/15/2018</a:t>
+              <a:t>11/25/2018</a:t>
             </a:fld>
             <a:endParaRPr lang="en-US" dirty="0"/>
           </a:p>
@@ -533,7 +525,7 @@
               <a:pPr>
                 <a:defRPr/>
               </a:pPr>
-              <a:t>11/15/2018</a:t>
+              <a:t>11/25/2018</a:t>
             </a:fld>
             <a:endParaRPr lang="en-US" dirty="0"/>
           </a:p>
@@ -1052,7 +1044,7 @@
               <a:pPr>
                 <a:defRPr/>
               </a:pPr>
-              <a:t>11/15/2018</a:t>
+              <a:t>11/25/2018</a:t>
             </a:fld>
             <a:endParaRPr lang="en-US" dirty="0"/>
           </a:p>
@@ -1242,7 +1234,7 @@
               <a:pPr>
                 <a:defRPr/>
               </a:pPr>
-              <a:t>11/15/2018</a:t>
+              <a:t>11/25/2018</a:t>
             </a:fld>
             <a:endParaRPr lang="en-US" dirty="0"/>
           </a:p>
@@ -1442,7 +1434,7 @@
               <a:pPr>
                 <a:defRPr/>
               </a:pPr>
-              <a:t>11/15/2018</a:t>
+              <a:t>11/25/2018</a:t>
             </a:fld>
             <a:endParaRPr lang="en-US" dirty="0"/>
           </a:p>
@@ -1710,7 +1702,7 @@
               <a:pPr>
                 <a:defRPr/>
               </a:pPr>
-              <a:t>11/15/2018</a:t>
+              <a:t>11/25/2018</a:t>
             </a:fld>
             <a:endParaRPr lang="en-US" dirty="0">
               <a:solidFill>
@@ -1924,7 +1916,7 @@
               <a:pPr>
                 <a:defRPr/>
               </a:pPr>
-              <a:t>11/15/2018</a:t>
+              <a:t>11/25/2018</a:t>
             </a:fld>
             <a:endParaRPr lang="en-US" dirty="0">
               <a:solidFill>
@@ -2215,7 +2207,7 @@
               <a:pPr>
                 <a:defRPr/>
               </a:pPr>
-              <a:t>11/15/2018</a:t>
+              <a:t>11/25/2018</a:t>
             </a:fld>
             <a:endParaRPr lang="en-US" dirty="0">
               <a:solidFill>
@@ -2546,7 +2538,7 @@
               <a:pPr>
                 <a:defRPr/>
               </a:pPr>
-              <a:t>11/15/2018</a:t>
+              <a:t>11/25/2018</a:t>
             </a:fld>
             <a:endParaRPr lang="en-US" dirty="0">
               <a:solidFill>
@@ -3011,7 +3003,7 @@
               <a:pPr>
                 <a:defRPr/>
               </a:pPr>
-              <a:t>11/15/2018</a:t>
+              <a:t>11/25/2018</a:t>
             </a:fld>
             <a:endParaRPr lang="en-US" dirty="0">
               <a:solidFill>
@@ -3174,7 +3166,7 @@
               <a:pPr>
                 <a:defRPr/>
               </a:pPr>
-              <a:t>11/15/2018</a:t>
+              <a:t>11/25/2018</a:t>
             </a:fld>
             <a:endParaRPr lang="en-US" dirty="0">
               <a:solidFill>
@@ -3315,7 +3307,7 @@
               <a:pPr>
                 <a:defRPr/>
               </a:pPr>
-              <a:t>11/15/2018</a:t>
+              <a:t>11/25/2018</a:t>
             </a:fld>
             <a:endParaRPr lang="en-US" dirty="0">
               <a:solidFill>
@@ -3636,7 +3628,7 @@
               <a:pPr>
                 <a:defRPr/>
               </a:pPr>
-              <a:t>11/15/2018</a:t>
+              <a:t>11/25/2018</a:t>
             </a:fld>
             <a:endParaRPr lang="en-US" dirty="0">
               <a:solidFill>
@@ -3844,7 +3836,7 @@
               <a:pPr>
                 <a:defRPr/>
               </a:pPr>
-              <a:t>11/15/2018</a:t>
+              <a:t>11/25/2018</a:t>
             </a:fld>
             <a:endParaRPr lang="en-US" dirty="0"/>
           </a:p>
@@ -4127,7 +4119,7 @@
               <a:pPr>
                 <a:defRPr/>
               </a:pPr>
-              <a:t>11/15/2018</a:t>
+              <a:t>11/25/2018</a:t>
             </a:fld>
             <a:endParaRPr lang="en-US" dirty="0">
               <a:solidFill>
@@ -4341,7 +4333,7 @@
               <a:pPr>
                 <a:defRPr/>
               </a:pPr>
-              <a:t>11/15/2018</a:t>
+              <a:t>11/25/2018</a:t>
             </a:fld>
             <a:endParaRPr lang="en-US" dirty="0">
               <a:solidFill>
@@ -4565,7 +4557,7 @@
               <a:pPr>
                 <a:defRPr/>
               </a:pPr>
-              <a:t>11/15/2018</a:t>
+              <a:t>11/25/2018</a:t>
             </a:fld>
             <a:endParaRPr lang="en-US" dirty="0">
               <a:solidFill>
@@ -4775,7 +4767,7 @@
               <a:pPr>
                 <a:defRPr/>
               </a:pPr>
-              <a:t>11/15/2018</a:t>
+              <a:t>11/25/2018</a:t>
             </a:fld>
             <a:endParaRPr lang="en-US" dirty="0">
               <a:solidFill>
@@ -5052,7 +5044,7 @@
               <a:pPr>
                 <a:defRPr/>
               </a:pPr>
-              <a:t>11/15/2018</a:t>
+              <a:t>11/25/2018</a:t>
             </a:fld>
             <a:endParaRPr lang="en-US" dirty="0"/>
           </a:p>
@@ -5359,7 +5351,7 @@
               <a:pPr>
                 <a:defRPr/>
               </a:pPr>
-              <a:t>11/15/2018</a:t>
+              <a:t>11/25/2018</a:t>
             </a:fld>
             <a:endParaRPr lang="en-US" dirty="0"/>
           </a:p>
@@ -5800,7 +5792,7 @@
               <a:pPr>
                 <a:defRPr/>
               </a:pPr>
-              <a:t>11/15/2018</a:t>
+              <a:t>11/25/2018</a:t>
             </a:fld>
             <a:endParaRPr lang="en-US" dirty="0"/>
           </a:p>
@@ -5939,7 +5931,7 @@
               <a:pPr>
                 <a:defRPr/>
               </a:pPr>
-              <a:t>11/15/2018</a:t>
+              <a:t>11/25/2018</a:t>
             </a:fld>
             <a:endParaRPr lang="en-US" dirty="0"/>
           </a:p>
@@ -6056,7 +6048,7 @@
               <a:pPr>
                 <a:defRPr/>
               </a:pPr>
-              <a:t>11/15/2018</a:t>
+              <a:t>11/25/2018</a:t>
             </a:fld>
             <a:endParaRPr lang="en-US" dirty="0"/>
           </a:p>
@@ -6353,7 +6345,7 @@
               <a:pPr>
                 <a:defRPr/>
               </a:pPr>
-              <a:t>11/15/2018</a:t>
+              <a:t>11/25/2018</a:t>
             </a:fld>
             <a:endParaRPr lang="en-US" dirty="0"/>
           </a:p>
@@ -6630,7 +6622,7 @@
               <a:pPr>
                 <a:defRPr/>
               </a:pPr>
-              <a:t>11/15/2018</a:t>
+              <a:t>11/25/2018</a:t>
             </a:fld>
             <a:endParaRPr lang="en-US" dirty="0"/>
           </a:p>
@@ -6887,7 +6879,7 @@
               <a:pPr>
                 <a:defRPr/>
               </a:pPr>
-              <a:t>11/15/2018</a:t>
+              <a:t>11/25/2018</a:t>
             </a:fld>
             <a:endParaRPr lang="en-US" dirty="0"/>
           </a:p>
@@ -7597,7 +7589,7 @@
               <a:pPr>
                 <a:defRPr/>
               </a:pPr>
-              <a:t>11/15/2018</a:t>
+              <a:t>11/25/2018</a:t>
             </a:fld>
             <a:endParaRPr lang="en-US" dirty="0">
               <a:solidFill>
@@ -16182,6 +16174,292 @@
       </p:grpSpPr>
       <p:sp>
         <p:nvSpPr>
+          <p:cNvPr id="15" name="Rectangle 12">
+            <a:extLst>
+              <a:ext uri="{FF2B5EF4-FFF2-40B4-BE49-F238E27FC236}">
+                <a16:creationId xmlns:a16="http://schemas.microsoft.com/office/drawing/2014/main" id="{867D4867-5BA7-4462-B2F6-A23F4A622AA7}"/>
+              </a:ext>
+              <a:ext uri="{C183D7F6-B498-43B3-948B-1728B52AA6E4}">
+                <adec:decorative xmlns:adec="http://schemas.microsoft.com/office/drawing/2017/decorative" val="1"/>
+              </a:ext>
+            </a:extLst>
+          </p:cNvPr>
+          <p:cNvSpPr>
+            <a:spLocks noGrp="1" noRot="1" noChangeAspect="1" noMove="1" noResize="1" noEditPoints="1" noAdjustHandles="1" noChangeArrowheads="1" noChangeShapeType="1" noTextEdit="1"/>
+          </p:cNvSpPr>
+          <p:nvPr>
+            <p:extLst>
+              <p:ext uri="{386F3935-93C4-4BCD-93E2-E3B085C9AB24}">
+                <p16:designElem xmlns:p16="http://schemas.microsoft.com/office/powerpoint/2015/main" val="1"/>
+              </p:ext>
+            </p:extLst>
+          </p:nvPr>
+        </p:nvSpPr>
+        <p:spPr>
+          <a:xfrm>
+            <a:off x="0" y="0"/>
+            <a:ext cx="3490722" cy="6858000"/>
+          </a:xfrm>
+          <a:prstGeom prst="rect">
+            <a:avLst/>
+          </a:prstGeom>
+          <a:solidFill>
+            <a:schemeClr val="tx1">
+              <a:lumMod val="75000"/>
+              <a:lumOff val="25000"/>
+            </a:schemeClr>
+          </a:solidFill>
+          <a:ln>
+            <a:noFill/>
+          </a:ln>
+        </p:spPr>
+        <p:style>
+          <a:lnRef idx="0">
+            <a:scrgbClr r="0" g="0" b="0"/>
+          </a:lnRef>
+          <a:fillRef idx="0">
+            <a:scrgbClr r="0" g="0" b="0"/>
+          </a:fillRef>
+          <a:effectRef idx="0">
+            <a:scrgbClr r="0" g="0" b="0"/>
+          </a:effectRef>
+          <a:fontRef idx="minor">
+            <a:schemeClr val="lt1"/>
+          </a:fontRef>
+        </p:style>
+        <p:txBody>
+          <a:bodyPr rtlCol="0" anchor="ctr"/>
+          <a:lstStyle/>
+          <a:p>
+            <a:pPr marL="0" marR="0" lvl="0" indent="0" algn="ctr" defTabSz="457200" rtl="0" eaLnBrk="1" fontAlgn="base" latinLnBrk="0" hangingPunct="1">
+              <a:lnSpc>
+                <a:spcPct val="100000"/>
+              </a:lnSpc>
+              <a:spcBef>
+                <a:spcPct val="0"/>
+              </a:spcBef>
+              <a:spcAft>
+                <a:spcPct val="0"/>
+              </a:spcAft>
+              <a:buClrTx/>
+              <a:buSzTx/>
+              <a:buFontTx/>
+              <a:buNone/>
+              <a:tabLst/>
+              <a:defRPr/>
+            </a:pPr>
+            <a:endParaRPr kumimoji="0" lang="en-US" sz="2400" b="0" i="0" u="none" strike="noStrike" kern="1200" cap="none" spc="0" normalizeH="0" baseline="0" noProof="0">
+              <a:ln>
+                <a:noFill/>
+              </a:ln>
+              <a:solidFill>
+                <a:prstClr val="white"/>
+              </a:solidFill>
+              <a:effectLst/>
+              <a:uLnTx/>
+              <a:uFillTx/>
+              <a:latin typeface="Calibri"/>
+              <a:ea typeface="+mn-ea"/>
+              <a:cs typeface="+mn-cs"/>
+            </a:endParaRPr>
+          </a:p>
+        </p:txBody>
+      </p:sp>
+      <p:sp>
+        <p:nvSpPr>
+          <p:cNvPr id="2" name="Title 1"/>
+          <p:cNvSpPr>
+            <a:spLocks noGrp="1"/>
+          </p:cNvSpPr>
+          <p:nvPr>
+            <p:ph type="title"/>
+          </p:nvPr>
+        </p:nvSpPr>
+        <p:spPr>
+          <a:xfrm>
+            <a:off x="482600" y="643467"/>
+            <a:ext cx="2522980" cy="1597315"/>
+          </a:xfrm>
+          <a:noFill/>
+          <a:ln w="19050">
+            <a:solidFill>
+              <a:schemeClr val="bg1"/>
+            </a:solidFill>
+          </a:ln>
+        </p:spPr>
+        <p:txBody>
+          <a:bodyPr vert="horz" wrap="square" lIns="91440" tIns="45720" rIns="91440" bIns="45720" rtlCol="0" anchor="ctr">
+            <a:normAutofit/>
+          </a:bodyPr>
+          <a:lstStyle/>
+          <a:p>
+            <a:pPr defTabSz="914400" eaLnBrk="1" hangingPunct="1">
+              <a:lnSpc>
+                <a:spcPct val="90000"/>
+              </a:lnSpc>
+            </a:pPr>
+            <a:r>
+              <a:rPr lang="en-US" sz="2400" dirty="0">
+                <a:solidFill>
+                  <a:schemeClr val="bg1"/>
+                </a:solidFill>
+                <a:ea typeface="+mj-ea"/>
+                <a:cs typeface="+mj-cs"/>
+              </a:rPr>
+              <a:t>Irrelevant Nonsense</a:t>
+            </a:r>
+            <a:endParaRPr lang="en-US" sz="2400" kern="1200" dirty="0">
+              <a:solidFill>
+                <a:schemeClr val="bg1"/>
+              </a:solidFill>
+              <a:latin typeface="+mj-lt"/>
+              <a:ea typeface="+mj-ea"/>
+              <a:cs typeface="+mj-cs"/>
+            </a:endParaRPr>
+          </a:p>
+        </p:txBody>
+      </p:sp>
+      <p:pic>
+        <p:nvPicPr>
+          <p:cNvPr id="8" name="Picture 7">
+            <a:extLst>
+              <a:ext uri="{FF2B5EF4-FFF2-40B4-BE49-F238E27FC236}">
+                <a16:creationId xmlns:a16="http://schemas.microsoft.com/office/drawing/2014/main" id="{521D4292-9ECC-4DA5-8CC0-C561A0DA118E}"/>
+              </a:ext>
+            </a:extLst>
+          </p:cNvPr>
+          <p:cNvPicPr>
+            <a:picLocks noChangeAspect="1"/>
+          </p:cNvPicPr>
+          <p:nvPr/>
+        </p:nvPicPr>
+        <p:blipFill rotWithShape="1">
+          <a:blip r:embed="rId3"/>
+          <a:srcRect l="8000" r="9400"/>
+          <a:stretch/>
+        </p:blipFill>
+        <p:spPr>
+          <a:xfrm>
+            <a:off x="660103" y="3048000"/>
+            <a:ext cx="2167974" cy="2624666"/>
+          </a:xfrm>
+          <a:prstGeom prst="rect">
+            <a:avLst/>
+          </a:prstGeom>
+          <a:noFill/>
+        </p:spPr>
+      </p:pic>
+      <p:sp>
+        <p:nvSpPr>
+          <p:cNvPr id="3" name="Rectangle 2">
+            <a:extLst>
+              <a:ext uri="{FF2B5EF4-FFF2-40B4-BE49-F238E27FC236}">
+                <a16:creationId xmlns:a16="http://schemas.microsoft.com/office/drawing/2014/main" id="{FA77C64E-A36B-4A90-B51B-370B000407D8}"/>
+              </a:ext>
+            </a:extLst>
+          </p:cNvPr>
+          <p:cNvSpPr/>
+          <p:nvPr/>
+        </p:nvSpPr>
+        <p:spPr>
+          <a:xfrm>
+            <a:off x="3983955" y="970508"/>
+            <a:ext cx="4572000" cy="4154984"/>
+          </a:xfrm>
+          <a:prstGeom prst="rect">
+            <a:avLst/>
+          </a:prstGeom>
+        </p:spPr>
+        <p:txBody>
+          <a:bodyPr>
+            <a:spAutoFit/>
+          </a:bodyPr>
+          <a:lstStyle/>
+          <a:p>
+            <a:pPr algn="ctr"/>
+            <a:r>
+              <a:rPr lang="en-US" sz="6600" dirty="0">
+                <a:solidFill>
+                  <a:srgbClr val="404040"/>
+                </a:solidFill>
+              </a:rPr>
+              <a:t>Watch Me Whip</a:t>
+            </a:r>
+          </a:p>
+          <a:p>
+            <a:pPr algn="ctr"/>
+            <a:r>
+              <a:rPr lang="en-US" sz="6600" dirty="0">
+                <a:solidFill>
+                  <a:srgbClr val="404040"/>
+                </a:solidFill>
+              </a:rPr>
+              <a:t>Watch Me</a:t>
+            </a:r>
+          </a:p>
+          <a:p>
+            <a:pPr algn="ctr"/>
+            <a:r>
+              <a:rPr lang="en-US" sz="6600" dirty="0">
+                <a:solidFill>
+                  <a:srgbClr val="404040"/>
+                </a:solidFill>
+              </a:rPr>
+              <a:t>Lasso</a:t>
+            </a:r>
+            <a:endParaRPr lang="en-US" sz="4800" dirty="0">
+              <a:solidFill>
+                <a:srgbClr val="404040"/>
+              </a:solidFill>
+            </a:endParaRPr>
+          </a:p>
+        </p:txBody>
+      </p:sp>
+    </p:spTree>
+    <p:custDataLst>
+      <p:tags r:id="rId1"/>
+    </p:custDataLst>
+    <p:extLst>
+      <p:ext uri="{BB962C8B-B14F-4D97-AF65-F5344CB8AC3E}">
+        <p14:creationId xmlns:p14="http://schemas.microsoft.com/office/powerpoint/2010/main" val="1521389765"/>
+      </p:ext>
+    </p:extLst>
+  </p:cSld>
+  <p:clrMapOvr>
+    <a:masterClrMapping/>
+  </p:clrMapOvr>
+</p:sld>
+</file>
+
+<file path=ppt/slides/slide23.xml><?xml version="1.0" encoding="utf-8"?>
+<p:sld xmlns:a="http://schemas.openxmlformats.org/drawingml/2006/main" xmlns:r="http://schemas.openxmlformats.org/officeDocument/2006/relationships" xmlns:p="http://schemas.openxmlformats.org/presentationml/2006/main">
+  <p:cSld>
+    <p:bg>
+      <p:bgPr>
+        <a:solidFill>
+          <a:schemeClr val="bg1">
+            <a:lumMod val="85000"/>
+          </a:schemeClr>
+        </a:solidFill>
+        <a:effectLst/>
+      </p:bgPr>
+    </p:bg>
+    <p:spTree>
+      <p:nvGrpSpPr>
+        <p:cNvPr id="1" name=""/>
+        <p:cNvGrpSpPr/>
+        <p:nvPr/>
+      </p:nvGrpSpPr>
+      <p:grpSpPr>
+        <a:xfrm>
+          <a:off x="0" y="0"/>
+          <a:ext cx="0" cy="0"/>
+          <a:chOff x="0" y="0"/>
+          <a:chExt cx="0" cy="0"/>
+        </a:xfrm>
+      </p:grpSpPr>
+      <p:sp>
+        <p:nvSpPr>
           <p:cNvPr id="6" name="TextBox 5">
             <a:extLst>
               <a:ext uri="{FF2B5EF4-FFF2-40B4-BE49-F238E27FC236}">
@@ -16525,7 +16803,7 @@
 </p:sld>
 </file>
 
-<file path=ppt/slides/slide23.xml><?xml version="1.0" encoding="utf-8"?>
+<file path=ppt/slides/slide24.xml><?xml version="1.0" encoding="utf-8"?>
 <p:sld xmlns:a="http://schemas.openxmlformats.org/drawingml/2006/main" xmlns:r="http://schemas.openxmlformats.org/officeDocument/2006/relationships" xmlns:p="http://schemas.openxmlformats.org/presentationml/2006/main">
   <p:cSld>
     <p:bg>
@@ -16591,7 +16869,7 @@
                   <a:srgbClr val="404040"/>
                 </a:solidFill>
               </a:rPr>
-              <a:t>Chunk 1 (Continued)</a:t>
+              <a:t>Run Chunk 2</a:t>
             </a:r>
           </a:p>
           <a:p>
@@ -16902,7 +17180,7 @@
 </p:sld>
 </file>
 
-<file path=ppt/slides/slide24.xml><?xml version="1.0" encoding="utf-8"?>
+<file path=ppt/slides/slide25.xml><?xml version="1.0" encoding="utf-8"?>
 <p:sld xmlns:a="http://schemas.openxmlformats.org/drawingml/2006/main" xmlns:r="http://schemas.openxmlformats.org/officeDocument/2006/relationships" xmlns:p="http://schemas.openxmlformats.org/presentationml/2006/main">
   <p:cSld>
     <p:bg>
@@ -16968,7 +17246,7 @@
                   <a:srgbClr val="404040"/>
                 </a:solidFill>
               </a:rPr>
-              <a:t>Chunk 1 (Continued)</a:t>
+              <a:t>Run Chunk 3</a:t>
             </a:r>
           </a:p>
           <a:p>
@@ -17279,4340 +17557,7 @@
 </p:sld>
 </file>
 
-<file path=ppt/slides/slide25.xml><?xml version="1.0" encoding="utf-8"?>
-<p:sld xmlns:a="http://schemas.openxmlformats.org/drawingml/2006/main" xmlns:r="http://schemas.openxmlformats.org/officeDocument/2006/relationships" xmlns:p="http://schemas.openxmlformats.org/presentationml/2006/main">
-  <p:cSld>
-    <p:bg>
-      <p:bgPr>
-        <a:solidFill>
-          <a:schemeClr val="bg1">
-            <a:lumMod val="85000"/>
-          </a:schemeClr>
-        </a:solidFill>
-        <a:effectLst/>
-      </p:bgPr>
-    </p:bg>
-    <p:spTree>
-      <p:nvGrpSpPr>
-        <p:cNvPr id="1" name=""/>
-        <p:cNvGrpSpPr/>
-        <p:nvPr/>
-      </p:nvGrpSpPr>
-      <p:grpSpPr>
-        <a:xfrm>
-          <a:off x="0" y="0"/>
-          <a:ext cx="0" cy="0"/>
-          <a:chOff x="0" y="0"/>
-          <a:chExt cx="0" cy="0"/>
-        </a:xfrm>
-      </p:grpSpPr>
-      <p:sp>
-        <p:nvSpPr>
-          <p:cNvPr id="15" name="Rectangle 12">
-            <a:extLst>
-              <a:ext uri="{FF2B5EF4-FFF2-40B4-BE49-F238E27FC236}">
-                <a16:creationId xmlns:a16="http://schemas.microsoft.com/office/drawing/2014/main" id="{867D4867-5BA7-4462-B2F6-A23F4A622AA7}"/>
-              </a:ext>
-              <a:ext uri="{C183D7F6-B498-43B3-948B-1728B52AA6E4}">
-                <adec:decorative xmlns:adec="http://schemas.microsoft.com/office/drawing/2017/decorative" val="1"/>
-              </a:ext>
-            </a:extLst>
-          </p:cNvPr>
-          <p:cNvSpPr>
-            <a:spLocks noGrp="1" noRot="1" noChangeAspect="1" noMove="1" noResize="1" noEditPoints="1" noAdjustHandles="1" noChangeArrowheads="1" noChangeShapeType="1" noTextEdit="1"/>
-          </p:cNvSpPr>
-          <p:nvPr>
-            <p:extLst>
-              <p:ext uri="{386F3935-93C4-4BCD-93E2-E3B085C9AB24}">
-                <p16:designElem xmlns:p16="http://schemas.microsoft.com/office/powerpoint/2015/main" val="1"/>
-              </p:ext>
-            </p:extLst>
-          </p:nvPr>
-        </p:nvSpPr>
-        <p:spPr>
-          <a:xfrm>
-            <a:off x="0" y="0"/>
-            <a:ext cx="3490722" cy="6858000"/>
-          </a:xfrm>
-          <a:prstGeom prst="rect">
-            <a:avLst/>
-          </a:prstGeom>
-          <a:solidFill>
-            <a:schemeClr val="tx1">
-              <a:lumMod val="75000"/>
-              <a:lumOff val="25000"/>
-            </a:schemeClr>
-          </a:solidFill>
-          <a:ln>
-            <a:noFill/>
-          </a:ln>
-        </p:spPr>
-        <p:style>
-          <a:lnRef idx="0">
-            <a:scrgbClr r="0" g="0" b="0"/>
-          </a:lnRef>
-          <a:fillRef idx="0">
-            <a:scrgbClr r="0" g="0" b="0"/>
-          </a:fillRef>
-          <a:effectRef idx="0">
-            <a:scrgbClr r="0" g="0" b="0"/>
-          </a:effectRef>
-          <a:fontRef idx="minor">
-            <a:schemeClr val="lt1"/>
-          </a:fontRef>
-        </p:style>
-        <p:txBody>
-          <a:bodyPr rtlCol="0" anchor="ctr"/>
-          <a:lstStyle/>
-          <a:p>
-            <a:pPr marL="0" marR="0" lvl="0" indent="0" algn="ctr" defTabSz="457200" rtl="0" eaLnBrk="1" fontAlgn="base" latinLnBrk="0" hangingPunct="1">
-              <a:lnSpc>
-                <a:spcPct val="100000"/>
-              </a:lnSpc>
-              <a:spcBef>
-                <a:spcPct val="0"/>
-              </a:spcBef>
-              <a:spcAft>
-                <a:spcPct val="0"/>
-              </a:spcAft>
-              <a:buClrTx/>
-              <a:buSzTx/>
-              <a:buFontTx/>
-              <a:buNone/>
-              <a:tabLst/>
-              <a:defRPr/>
-            </a:pPr>
-            <a:endParaRPr kumimoji="0" lang="en-US" sz="2400" b="0" i="0" u="none" strike="noStrike" kern="1200" cap="none" spc="0" normalizeH="0" baseline="0" noProof="0">
-              <a:ln>
-                <a:noFill/>
-              </a:ln>
-              <a:solidFill>
-                <a:prstClr val="white"/>
-              </a:solidFill>
-              <a:effectLst/>
-              <a:uLnTx/>
-              <a:uFillTx/>
-              <a:latin typeface="Calibri"/>
-              <a:ea typeface="+mn-ea"/>
-              <a:cs typeface="+mn-cs"/>
-            </a:endParaRPr>
-          </a:p>
-        </p:txBody>
-      </p:sp>
-      <p:sp>
-        <p:nvSpPr>
-          <p:cNvPr id="2" name="Title 1"/>
-          <p:cNvSpPr>
-            <a:spLocks noGrp="1"/>
-          </p:cNvSpPr>
-          <p:nvPr>
-            <p:ph type="title"/>
-          </p:nvPr>
-        </p:nvSpPr>
-        <p:spPr>
-          <a:xfrm>
-            <a:off x="482600" y="643467"/>
-            <a:ext cx="2522980" cy="1597315"/>
-          </a:xfrm>
-          <a:noFill/>
-          <a:ln w="19050">
-            <a:solidFill>
-              <a:schemeClr val="bg1"/>
-            </a:solidFill>
-          </a:ln>
-        </p:spPr>
-        <p:txBody>
-          <a:bodyPr vert="horz" wrap="square" lIns="91440" tIns="45720" rIns="91440" bIns="45720" rtlCol="0" anchor="ctr">
-            <a:normAutofit/>
-          </a:bodyPr>
-          <a:lstStyle/>
-          <a:p>
-            <a:pPr defTabSz="914400" eaLnBrk="1" hangingPunct="1">
-              <a:lnSpc>
-                <a:spcPct val="90000"/>
-              </a:lnSpc>
-            </a:pPr>
-            <a:r>
-              <a:rPr lang="en-US" sz="2400" dirty="0">
-                <a:solidFill>
-                  <a:schemeClr val="bg1"/>
-                </a:solidFill>
-                <a:ea typeface="+mj-ea"/>
-                <a:cs typeface="+mj-cs"/>
-              </a:rPr>
-              <a:t>Irrelevant Nonsense</a:t>
-            </a:r>
-            <a:endParaRPr lang="en-US" sz="2400" kern="1200" dirty="0">
-              <a:solidFill>
-                <a:schemeClr val="bg1"/>
-              </a:solidFill>
-              <a:latin typeface="+mj-lt"/>
-              <a:ea typeface="+mj-ea"/>
-              <a:cs typeface="+mj-cs"/>
-            </a:endParaRPr>
-          </a:p>
-        </p:txBody>
-      </p:sp>
-      <p:pic>
-        <p:nvPicPr>
-          <p:cNvPr id="8" name="Picture 7">
-            <a:extLst>
-              <a:ext uri="{FF2B5EF4-FFF2-40B4-BE49-F238E27FC236}">
-                <a16:creationId xmlns:a16="http://schemas.microsoft.com/office/drawing/2014/main" id="{521D4292-9ECC-4DA5-8CC0-C561A0DA118E}"/>
-              </a:ext>
-            </a:extLst>
-          </p:cNvPr>
-          <p:cNvPicPr>
-            <a:picLocks noChangeAspect="1"/>
-          </p:cNvPicPr>
-          <p:nvPr/>
-        </p:nvPicPr>
-        <p:blipFill rotWithShape="1">
-          <a:blip r:embed="rId3"/>
-          <a:srcRect l="8000" r="9400"/>
-          <a:stretch/>
-        </p:blipFill>
-        <p:spPr>
-          <a:xfrm>
-            <a:off x="660103" y="3048000"/>
-            <a:ext cx="2167974" cy="2624666"/>
-          </a:xfrm>
-          <a:prstGeom prst="rect">
-            <a:avLst/>
-          </a:prstGeom>
-          <a:noFill/>
-        </p:spPr>
-      </p:pic>
-      <p:sp>
-        <p:nvSpPr>
-          <p:cNvPr id="3" name="Rectangle 2">
-            <a:extLst>
-              <a:ext uri="{FF2B5EF4-FFF2-40B4-BE49-F238E27FC236}">
-                <a16:creationId xmlns:a16="http://schemas.microsoft.com/office/drawing/2014/main" id="{FA77C64E-A36B-4A90-B51B-370B000407D8}"/>
-              </a:ext>
-            </a:extLst>
-          </p:cNvPr>
-          <p:cNvSpPr/>
-          <p:nvPr/>
-        </p:nvSpPr>
-        <p:spPr>
-          <a:xfrm>
-            <a:off x="3983955" y="970508"/>
-            <a:ext cx="4572000" cy="4154984"/>
-          </a:xfrm>
-          <a:prstGeom prst="rect">
-            <a:avLst/>
-          </a:prstGeom>
-        </p:spPr>
-        <p:txBody>
-          <a:bodyPr>
-            <a:spAutoFit/>
-          </a:bodyPr>
-          <a:lstStyle/>
-          <a:p>
-            <a:pPr algn="ctr"/>
-            <a:r>
-              <a:rPr lang="en-US" sz="6600" dirty="0">
-                <a:solidFill>
-                  <a:srgbClr val="404040"/>
-                </a:solidFill>
-              </a:rPr>
-              <a:t>Watch Me Whip</a:t>
-            </a:r>
-          </a:p>
-          <a:p>
-            <a:pPr algn="ctr"/>
-            <a:r>
-              <a:rPr lang="en-US" sz="6600" dirty="0">
-                <a:solidFill>
-                  <a:srgbClr val="404040"/>
-                </a:solidFill>
-              </a:rPr>
-              <a:t>Watch Me</a:t>
-            </a:r>
-          </a:p>
-          <a:p>
-            <a:pPr algn="ctr"/>
-            <a:r>
-              <a:rPr lang="en-US" sz="6600" dirty="0">
-                <a:solidFill>
-                  <a:srgbClr val="404040"/>
-                </a:solidFill>
-              </a:rPr>
-              <a:t>Lasso</a:t>
-            </a:r>
-            <a:endParaRPr lang="en-US" sz="4800" dirty="0">
-              <a:solidFill>
-                <a:srgbClr val="404040"/>
-              </a:solidFill>
-            </a:endParaRPr>
-          </a:p>
-        </p:txBody>
-      </p:sp>
-    </p:spTree>
-    <p:custDataLst>
-      <p:tags r:id="rId1"/>
-    </p:custDataLst>
-    <p:extLst>
-      <p:ext uri="{BB962C8B-B14F-4D97-AF65-F5344CB8AC3E}">
-        <p14:creationId xmlns:p14="http://schemas.microsoft.com/office/powerpoint/2010/main" val="1521389765"/>
-      </p:ext>
-    </p:extLst>
-  </p:cSld>
-  <p:clrMapOvr>
-    <a:masterClrMapping/>
-  </p:clrMapOvr>
-</p:sld>
-</file>
-
 <file path=ppt/slides/slide26.xml><?xml version="1.0" encoding="utf-8"?>
-<p:sld xmlns:a="http://schemas.openxmlformats.org/drawingml/2006/main" xmlns:r="http://schemas.openxmlformats.org/officeDocument/2006/relationships" xmlns:p="http://schemas.openxmlformats.org/presentationml/2006/main">
-  <p:cSld>
-    <p:bg>
-      <p:bgPr>
-        <a:solidFill>
-          <a:schemeClr val="bg1">
-            <a:lumMod val="85000"/>
-          </a:schemeClr>
-        </a:solidFill>
-        <a:effectLst/>
-      </p:bgPr>
-    </p:bg>
-    <p:spTree>
-      <p:nvGrpSpPr>
-        <p:cNvPr id="1" name=""/>
-        <p:cNvGrpSpPr/>
-        <p:nvPr/>
-      </p:nvGrpSpPr>
-      <p:grpSpPr>
-        <a:xfrm>
-          <a:off x="0" y="0"/>
-          <a:ext cx="0" cy="0"/>
-          <a:chOff x="0" y="0"/>
-          <a:chExt cx="0" cy="0"/>
-        </a:xfrm>
-      </p:grpSpPr>
-      <mc:AlternateContent xmlns:mc="http://schemas.openxmlformats.org/markup-compatibility/2006" xmlns:a14="http://schemas.microsoft.com/office/drawing/2010/main">
-        <mc:Choice Requires="a14">
-          <p:sp>
-            <p:nvSpPr>
-              <p:cNvPr id="6" name="TextBox 5">
-                <a:extLst>
-                  <a:ext uri="{FF2B5EF4-FFF2-40B4-BE49-F238E27FC236}">
-                    <a16:creationId xmlns:a16="http://schemas.microsoft.com/office/drawing/2014/main" id="{16EA8ACD-ADC6-4FBA-8160-DA5647025936}"/>
-                  </a:ext>
-                </a:extLst>
-              </p:cNvPr>
-              <p:cNvSpPr txBox="1"/>
-              <p:nvPr/>
-            </p:nvSpPr>
-            <p:spPr>
-              <a:xfrm>
-                <a:off x="3733800" y="643467"/>
-                <a:ext cx="5334000" cy="6001643"/>
-              </a:xfrm>
-              <a:prstGeom prst="rect">
-                <a:avLst/>
-              </a:prstGeom>
-              <a:noFill/>
-            </p:spPr>
-            <p:txBody>
-              <a:bodyPr wrap="square" rtlCol="0">
-                <a:spAutoFit/>
-              </a:bodyPr>
-              <a:lstStyle/>
-              <a:p>
-                <a:pPr marL="342900" indent="-342900">
-                  <a:buFont typeface="Arial" panose="020B0604020202020204" pitchFamily="34" charset="0"/>
-                  <a:buChar char="•"/>
-                  <a:defRPr/>
-                </a:pPr>
-                <a:r>
-                  <a:rPr lang="en-US" dirty="0">
-                    <a:solidFill>
-                      <a:srgbClr val="404040"/>
-                    </a:solidFill>
-                  </a:rPr>
-                  <a:t>Tuning Parameters </a:t>
-                </a:r>
-              </a:p>
-              <a:p>
-                <a:pPr marL="800100" lvl="1" indent="-342900">
-                  <a:buFont typeface="Arial" panose="020B0604020202020204" pitchFamily="34" charset="0"/>
-                  <a:buChar char="•"/>
-                  <a:defRPr/>
-                </a:pPr>
-                <a:r>
-                  <a:rPr lang="en-US" dirty="0">
-                    <a:solidFill>
-                      <a:srgbClr val="404040"/>
-                    </a:solidFill>
-                  </a:rPr>
-                  <a:t>Use Cross-Validation to Choose Tuning Parameters </a:t>
-                </a:r>
-                <a14:m>
-                  <m:oMath xmlns:m="http://schemas.openxmlformats.org/officeDocument/2006/math">
-                    <m:r>
-                      <a:rPr lang="en-US" i="1">
-                        <a:solidFill>
-                          <a:srgbClr val="404040"/>
-                        </a:solidFill>
-                        <a:latin typeface="Cambria Math" panose="02040503050406030204" pitchFamily="18" charset="0"/>
-                      </a:rPr>
-                      <m:t>𝜆</m:t>
-                    </m:r>
-                    <m:r>
-                      <a:rPr lang="en-US" b="0" i="1" smtClean="0">
-                        <a:solidFill>
-                          <a:srgbClr val="404040"/>
-                        </a:solidFill>
-                        <a:latin typeface="Cambria Math" panose="02040503050406030204" pitchFamily="18" charset="0"/>
-                      </a:rPr>
-                      <m:t> </m:t>
-                    </m:r>
-                    <m:r>
-                      <a:rPr lang="en-US" i="1">
-                        <a:solidFill>
-                          <a:srgbClr val="404040"/>
-                        </a:solidFill>
-                        <a:latin typeface="Cambria Math" panose="02040503050406030204" pitchFamily="18" charset="0"/>
-                      </a:rPr>
-                      <m:t>&amp; </m:t>
-                    </m:r>
-                    <m:r>
-                      <a:rPr lang="en-US" i="1">
-                        <a:solidFill>
-                          <a:srgbClr val="404040"/>
-                        </a:solidFill>
-                        <a:latin typeface="Cambria Math" panose="02040503050406030204" pitchFamily="18" charset="0"/>
-                      </a:rPr>
-                      <m:t>𝛼</m:t>
-                    </m:r>
-                  </m:oMath>
-                </a14:m>
-                <a:endParaRPr lang="en-US" dirty="0">
-                  <a:solidFill>
-                    <a:srgbClr val="404040"/>
-                  </a:solidFill>
-                </a:endParaRPr>
-              </a:p>
-              <a:p>
-                <a:pPr marL="800100" lvl="1" indent="-342900">
-                  <a:buFont typeface="Arial" panose="020B0604020202020204" pitchFamily="34" charset="0"/>
-                  <a:buChar char="•"/>
-                  <a:defRPr/>
-                </a:pPr>
-                <a:r>
-                  <a:rPr lang="en-US" dirty="0">
-                    <a:solidFill>
-                      <a:srgbClr val="404040"/>
-                    </a:solidFill>
-                  </a:rPr>
-                  <a:t>Constraints</a:t>
-                </a:r>
-              </a:p>
-              <a:p>
-                <a:pPr marL="1257300" lvl="2" indent="-342900">
-                  <a:buFont typeface="Arial" panose="020B0604020202020204" pitchFamily="34" charset="0"/>
-                  <a:buChar char="•"/>
-                  <a:defRPr/>
-                </a:pPr>
-                <a14:m>
-                  <m:oMath xmlns:m="http://schemas.openxmlformats.org/officeDocument/2006/math">
-                    <m:r>
-                      <a:rPr lang="en-US" i="1">
-                        <a:solidFill>
-                          <a:srgbClr val="404040"/>
-                        </a:solidFill>
-                        <a:latin typeface="Cambria Math" panose="02040503050406030204" pitchFamily="18" charset="0"/>
-                      </a:rPr>
-                      <m:t>𝜆</m:t>
-                    </m:r>
-                    <m:r>
-                      <a:rPr lang="en-US" b="0" i="0" smtClean="0">
-                        <a:solidFill>
-                          <a:srgbClr val="404040"/>
-                        </a:solidFill>
-                        <a:latin typeface="Cambria Math" panose="02040503050406030204" pitchFamily="18" charset="0"/>
-                      </a:rPr>
-                      <m:t>&gt;0 </m:t>
-                    </m:r>
-                  </m:oMath>
-                </a14:m>
-                <a:endParaRPr lang="en-US" b="0" i="0" dirty="0">
-                  <a:solidFill>
-                    <a:srgbClr val="404040"/>
-                  </a:solidFill>
-                  <a:latin typeface="Cambria Math" panose="02040503050406030204" pitchFamily="18" charset="0"/>
-                </a:endParaRPr>
-              </a:p>
-              <a:p>
-                <a:pPr marL="1257300" lvl="2" indent="-342900">
-                  <a:buFont typeface="Arial" panose="020B0604020202020204" pitchFamily="34" charset="0"/>
-                  <a:buChar char="•"/>
-                  <a:defRPr/>
-                </a:pPr>
-                <a14:m>
-                  <m:oMath xmlns:m="http://schemas.openxmlformats.org/officeDocument/2006/math">
-                    <m:r>
-                      <a:rPr lang="en-US" b="0" i="1" smtClean="0">
-                        <a:solidFill>
-                          <a:srgbClr val="404040"/>
-                        </a:solidFill>
-                        <a:latin typeface="Cambria Math" panose="02040503050406030204" pitchFamily="18" charset="0"/>
-                      </a:rPr>
-                      <m:t>0</m:t>
-                    </m:r>
-                    <m:r>
-                      <a:rPr lang="en-US" b="0" i="1" smtClean="0">
-                        <a:solidFill>
-                          <a:srgbClr val="404040"/>
-                        </a:solidFill>
-                        <a:latin typeface="Cambria Math" panose="02040503050406030204" pitchFamily="18" charset="0"/>
-                        <a:ea typeface="Cambria Math" panose="02040503050406030204" pitchFamily="18" charset="0"/>
-                      </a:rPr>
-                      <m:t>≤</m:t>
-                    </m:r>
-                    <m:r>
-                      <a:rPr lang="en-US" i="1">
-                        <a:solidFill>
-                          <a:srgbClr val="404040"/>
-                        </a:solidFill>
-                        <a:latin typeface="Cambria Math" panose="02040503050406030204" pitchFamily="18" charset="0"/>
-                      </a:rPr>
-                      <m:t>𝛼</m:t>
-                    </m:r>
-                    <m:r>
-                      <a:rPr lang="en-US" i="1" smtClean="0">
-                        <a:solidFill>
-                          <a:srgbClr val="404040"/>
-                        </a:solidFill>
-                        <a:latin typeface="Cambria Math" panose="02040503050406030204" pitchFamily="18" charset="0"/>
-                        <a:ea typeface="Cambria Math" panose="02040503050406030204" pitchFamily="18" charset="0"/>
-                      </a:rPr>
-                      <m:t>≤</m:t>
-                    </m:r>
-                    <m:r>
-                      <a:rPr lang="en-US" b="0" i="1" smtClean="0">
-                        <a:solidFill>
-                          <a:srgbClr val="404040"/>
-                        </a:solidFill>
-                        <a:latin typeface="Cambria Math" panose="02040503050406030204" pitchFamily="18" charset="0"/>
-                        <a:ea typeface="Cambria Math" panose="02040503050406030204" pitchFamily="18" charset="0"/>
-                      </a:rPr>
-                      <m:t>1</m:t>
-                    </m:r>
-                  </m:oMath>
-                </a14:m>
-                <a:endParaRPr lang="en-US" dirty="0">
-                  <a:solidFill>
-                    <a:srgbClr val="404040"/>
-                  </a:solidFill>
-                </a:endParaRPr>
-              </a:p>
-              <a:p>
-                <a:pPr marL="800100" lvl="1" indent="-342900">
-                  <a:buFont typeface="Arial" panose="020B0604020202020204" pitchFamily="34" charset="0"/>
-                  <a:buChar char="•"/>
-                  <a:defRPr/>
-                </a:pPr>
-                <a:r>
-                  <a:rPr lang="en-US" dirty="0">
-                    <a:solidFill>
-                      <a:srgbClr val="404040"/>
-                    </a:solidFill>
-                  </a:rPr>
-                  <a:t>Best Approach:</a:t>
-                </a:r>
-              </a:p>
-              <a:p>
-                <a:pPr marL="1257300" lvl="2" indent="-342900">
-                  <a:buFont typeface="Arial" panose="020B0604020202020204" pitchFamily="34" charset="0"/>
-                  <a:buChar char="•"/>
-                  <a:defRPr/>
-                </a:pPr>
-                <a:r>
-                  <a:rPr lang="en-US" dirty="0">
-                    <a:solidFill>
-                      <a:srgbClr val="404040"/>
-                    </a:solidFill>
-                  </a:rPr>
-                  <a:t>Divide Data Into Train &amp; Test</a:t>
-                </a:r>
-              </a:p>
-              <a:p>
-                <a:pPr marL="1257300" lvl="2" indent="-342900">
-                  <a:buFont typeface="Arial" panose="020B0604020202020204" pitchFamily="34" charset="0"/>
-                  <a:buChar char="•"/>
-                  <a:defRPr/>
-                </a:pPr>
-                <a:r>
-                  <a:rPr lang="en-US" dirty="0">
-                    <a:solidFill>
-                      <a:srgbClr val="404040"/>
-                    </a:solidFill>
-                  </a:rPr>
-                  <a:t>Loop Over a Vector of Alpha</a:t>
-                </a:r>
-              </a:p>
-              <a:p>
-                <a:pPr marL="1257300" lvl="2" indent="-342900">
-                  <a:buFont typeface="Arial" panose="020B0604020202020204" pitchFamily="34" charset="0"/>
-                  <a:buChar char="•"/>
-                  <a:defRPr/>
-                </a:pPr>
-                <a:r>
-                  <a:rPr lang="en-US" dirty="0">
-                    <a:solidFill>
-                      <a:srgbClr val="404040"/>
-                    </a:solidFill>
-                  </a:rPr>
-                  <a:t>Find Best Lambda for Each Alpha Considered Using CV in Train </a:t>
-                </a:r>
-              </a:p>
-              <a:p>
-                <a:pPr marL="1257300" lvl="2" indent="-342900">
-                  <a:buFont typeface="Arial" panose="020B0604020202020204" pitchFamily="34" charset="0"/>
-                  <a:buChar char="•"/>
-                  <a:defRPr/>
-                </a:pPr>
-                <a:r>
-                  <a:rPr lang="en-US" dirty="0">
-                    <a:solidFill>
-                      <a:srgbClr val="404040"/>
-                    </a:solidFill>
-                  </a:rPr>
-                  <a:t>For Each Alpha and Best Lambda, Predict on Test and Select Alpha and Lambda that Minimize MSE</a:t>
-                </a:r>
-              </a:p>
-            </p:txBody>
-          </p:sp>
-        </mc:Choice>
-        <mc:Fallback xmlns="">
-          <p:sp>
-            <p:nvSpPr>
-              <p:cNvPr id="6" name="TextBox 5">
-                <a:extLst>
-                  <a:ext uri="{FF2B5EF4-FFF2-40B4-BE49-F238E27FC236}">
-                    <a16:creationId xmlns:a16="http://schemas.microsoft.com/office/drawing/2014/main" id="{16EA8ACD-ADC6-4FBA-8160-DA5647025936}"/>
-                  </a:ext>
-                </a:extLst>
-              </p:cNvPr>
-              <p:cNvSpPr txBox="1">
-                <a:spLocks noRot="1" noChangeAspect="1" noMove="1" noResize="1" noEditPoints="1" noAdjustHandles="1" noChangeArrowheads="1" noChangeShapeType="1" noTextEdit="1"/>
-              </p:cNvSpPr>
-              <p:nvPr/>
-            </p:nvSpPr>
-            <p:spPr>
-              <a:xfrm>
-                <a:off x="3733800" y="643467"/>
-                <a:ext cx="5334000" cy="6001643"/>
-              </a:xfrm>
-              <a:prstGeom prst="rect">
-                <a:avLst/>
-              </a:prstGeom>
-              <a:blipFill>
-                <a:blip r:embed="rId3"/>
-                <a:stretch>
-                  <a:fillRect l="-1600" t="-711" r="-2971" b="-1524"/>
-                </a:stretch>
-              </a:blipFill>
-            </p:spPr>
-            <p:txBody>
-              <a:bodyPr/>
-              <a:lstStyle/>
-              <a:p>
-                <a:r>
-                  <a:rPr lang="en-US">
-                    <a:noFill/>
-                  </a:rPr>
-                  <a:t> </a:t>
-                </a:r>
-              </a:p>
-            </p:txBody>
-          </p:sp>
-        </mc:Fallback>
-      </mc:AlternateContent>
-      <p:sp>
-        <p:nvSpPr>
-          <p:cNvPr id="15" name="Rectangle 12">
-            <a:extLst>
-              <a:ext uri="{FF2B5EF4-FFF2-40B4-BE49-F238E27FC236}">
-                <a16:creationId xmlns:a16="http://schemas.microsoft.com/office/drawing/2014/main" id="{867D4867-5BA7-4462-B2F6-A23F4A622AA7}"/>
-              </a:ext>
-              <a:ext uri="{C183D7F6-B498-43B3-948B-1728B52AA6E4}">
-                <adec:decorative xmlns:adec="http://schemas.microsoft.com/office/drawing/2017/decorative" val="1"/>
-              </a:ext>
-            </a:extLst>
-          </p:cNvPr>
-          <p:cNvSpPr>
-            <a:spLocks noGrp="1" noRot="1" noChangeAspect="1" noMove="1" noResize="1" noEditPoints="1" noAdjustHandles="1" noChangeArrowheads="1" noChangeShapeType="1" noTextEdit="1"/>
-          </p:cNvSpPr>
-          <p:nvPr>
-            <p:extLst>
-              <p:ext uri="{386F3935-93C4-4BCD-93E2-E3B085C9AB24}">
-                <p16:designElem xmlns:p16="http://schemas.microsoft.com/office/powerpoint/2015/main" val="1"/>
-              </p:ext>
-            </p:extLst>
-          </p:nvPr>
-        </p:nvSpPr>
-        <p:spPr>
-          <a:xfrm>
-            <a:off x="0" y="0"/>
-            <a:ext cx="3490722" cy="6858000"/>
-          </a:xfrm>
-          <a:prstGeom prst="rect">
-            <a:avLst/>
-          </a:prstGeom>
-          <a:solidFill>
-            <a:schemeClr val="tx1">
-              <a:lumMod val="75000"/>
-              <a:lumOff val="25000"/>
-            </a:schemeClr>
-          </a:solidFill>
-          <a:ln>
-            <a:noFill/>
-          </a:ln>
-        </p:spPr>
-        <p:style>
-          <a:lnRef idx="0">
-            <a:scrgbClr r="0" g="0" b="0"/>
-          </a:lnRef>
-          <a:fillRef idx="0">
-            <a:scrgbClr r="0" g="0" b="0"/>
-          </a:fillRef>
-          <a:effectRef idx="0">
-            <a:scrgbClr r="0" g="0" b="0"/>
-          </a:effectRef>
-          <a:fontRef idx="minor">
-            <a:schemeClr val="lt1"/>
-          </a:fontRef>
-        </p:style>
-        <p:txBody>
-          <a:bodyPr rtlCol="0" anchor="ctr"/>
-          <a:lstStyle/>
-          <a:p>
-            <a:pPr marL="0" marR="0" lvl="0" indent="0" algn="ctr" defTabSz="457200" rtl="0" eaLnBrk="1" fontAlgn="base" latinLnBrk="0" hangingPunct="1">
-              <a:lnSpc>
-                <a:spcPct val="100000"/>
-              </a:lnSpc>
-              <a:spcBef>
-                <a:spcPct val="0"/>
-              </a:spcBef>
-              <a:spcAft>
-                <a:spcPct val="0"/>
-              </a:spcAft>
-              <a:buClrTx/>
-              <a:buSzTx/>
-              <a:buFontTx/>
-              <a:buNone/>
-              <a:tabLst/>
-              <a:defRPr/>
-            </a:pPr>
-            <a:endParaRPr kumimoji="0" lang="en-US" sz="2400" b="0" i="0" u="none" strike="noStrike" kern="1200" cap="none" spc="0" normalizeH="0" baseline="0" noProof="0">
-              <a:ln>
-                <a:noFill/>
-              </a:ln>
-              <a:solidFill>
-                <a:prstClr val="white"/>
-              </a:solidFill>
-              <a:effectLst/>
-              <a:uLnTx/>
-              <a:uFillTx/>
-              <a:latin typeface="Calibri"/>
-              <a:ea typeface="+mn-ea"/>
-              <a:cs typeface="+mn-cs"/>
-            </a:endParaRPr>
-          </a:p>
-        </p:txBody>
-      </p:sp>
-      <p:sp>
-        <p:nvSpPr>
-          <p:cNvPr id="2" name="Title 1"/>
-          <p:cNvSpPr>
-            <a:spLocks noGrp="1"/>
-          </p:cNvSpPr>
-          <p:nvPr>
-            <p:ph type="title"/>
-          </p:nvPr>
-        </p:nvSpPr>
-        <p:spPr>
-          <a:xfrm>
-            <a:off x="482600" y="643467"/>
-            <a:ext cx="2522980" cy="1597315"/>
-          </a:xfrm>
-          <a:noFill/>
-          <a:ln w="19050">
-            <a:solidFill>
-              <a:schemeClr val="bg1"/>
-            </a:solidFill>
-          </a:ln>
-        </p:spPr>
-        <p:txBody>
-          <a:bodyPr vert="horz" wrap="square" lIns="91440" tIns="45720" rIns="91440" bIns="45720" rtlCol="0" anchor="ctr">
-            <a:normAutofit/>
-          </a:bodyPr>
-          <a:lstStyle/>
-          <a:p>
-            <a:pPr defTabSz="914400" eaLnBrk="1" hangingPunct="1">
-              <a:lnSpc>
-                <a:spcPct val="90000"/>
-              </a:lnSpc>
-            </a:pPr>
-            <a:r>
-              <a:rPr lang="en-US" sz="2400" dirty="0">
-                <a:solidFill>
-                  <a:schemeClr val="bg1"/>
-                </a:solidFill>
-                <a:ea typeface="+mj-ea"/>
-                <a:cs typeface="+mj-cs"/>
-              </a:rPr>
-              <a:t>Part 2: Shrinkage Estimation and More Meditation</a:t>
-            </a:r>
-            <a:endParaRPr lang="en-US" sz="2400" kern="1200" dirty="0">
-              <a:solidFill>
-                <a:schemeClr val="bg1"/>
-              </a:solidFill>
-              <a:latin typeface="+mj-lt"/>
-              <a:ea typeface="+mj-ea"/>
-              <a:cs typeface="+mj-cs"/>
-            </a:endParaRPr>
-          </a:p>
-        </p:txBody>
-      </p:sp>
-      <p:pic>
-        <p:nvPicPr>
-          <p:cNvPr id="8" name="Picture 7">
-            <a:extLst>
-              <a:ext uri="{FF2B5EF4-FFF2-40B4-BE49-F238E27FC236}">
-                <a16:creationId xmlns:a16="http://schemas.microsoft.com/office/drawing/2014/main" id="{521D4292-9ECC-4DA5-8CC0-C561A0DA118E}"/>
-              </a:ext>
-            </a:extLst>
-          </p:cNvPr>
-          <p:cNvPicPr>
-            <a:picLocks noChangeAspect="1"/>
-          </p:cNvPicPr>
-          <p:nvPr/>
-        </p:nvPicPr>
-        <p:blipFill rotWithShape="1">
-          <a:blip r:embed="rId4"/>
-          <a:srcRect l="8000" r="9400"/>
-          <a:stretch/>
-        </p:blipFill>
-        <p:spPr>
-          <a:xfrm>
-            <a:off x="660103" y="3048000"/>
-            <a:ext cx="2167974" cy="2624666"/>
-          </a:xfrm>
-          <a:prstGeom prst="rect">
-            <a:avLst/>
-          </a:prstGeom>
-          <a:noFill/>
-        </p:spPr>
-      </p:pic>
-    </p:spTree>
-    <p:custDataLst>
-      <p:tags r:id="rId1"/>
-    </p:custDataLst>
-    <p:extLst>
-      <p:ext uri="{BB962C8B-B14F-4D97-AF65-F5344CB8AC3E}">
-        <p14:creationId xmlns:p14="http://schemas.microsoft.com/office/powerpoint/2010/main" val="30786265"/>
-      </p:ext>
-    </p:extLst>
-  </p:cSld>
-  <p:clrMapOvr>
-    <a:masterClrMapping/>
-  </p:clrMapOvr>
-</p:sld>
-</file>
-
-<file path=ppt/slides/slide27.xml><?xml version="1.0" encoding="utf-8"?>
-<p:sld xmlns:a="http://schemas.openxmlformats.org/drawingml/2006/main" xmlns:r="http://schemas.openxmlformats.org/officeDocument/2006/relationships" xmlns:p="http://schemas.openxmlformats.org/presentationml/2006/main">
-  <p:cSld>
-    <p:bg>
-      <p:bgPr>
-        <a:solidFill>
-          <a:schemeClr val="bg1">
-            <a:lumMod val="85000"/>
-          </a:schemeClr>
-        </a:solidFill>
-        <a:effectLst/>
-      </p:bgPr>
-    </p:bg>
-    <p:spTree>
-      <p:nvGrpSpPr>
-        <p:cNvPr id="1" name=""/>
-        <p:cNvGrpSpPr/>
-        <p:nvPr/>
-      </p:nvGrpSpPr>
-      <p:grpSpPr>
-        <a:xfrm>
-          <a:off x="0" y="0"/>
-          <a:ext cx="0" cy="0"/>
-          <a:chOff x="0" y="0"/>
-          <a:chExt cx="0" cy="0"/>
-        </a:xfrm>
-      </p:grpSpPr>
-      <p:sp>
-        <p:nvSpPr>
-          <p:cNvPr id="6" name="TextBox 5">
-            <a:extLst>
-              <a:ext uri="{FF2B5EF4-FFF2-40B4-BE49-F238E27FC236}">
-                <a16:creationId xmlns:a16="http://schemas.microsoft.com/office/drawing/2014/main" id="{16EA8ACD-ADC6-4FBA-8160-DA5647025936}"/>
-              </a:ext>
-            </a:extLst>
-          </p:cNvPr>
-          <p:cNvSpPr txBox="1"/>
-          <p:nvPr/>
-        </p:nvSpPr>
-        <p:spPr>
-          <a:xfrm>
-            <a:off x="3733800" y="643467"/>
-            <a:ext cx="5334000" cy="1569660"/>
-          </a:xfrm>
-          <a:prstGeom prst="rect">
-            <a:avLst/>
-          </a:prstGeom>
-          <a:noFill/>
-        </p:spPr>
-        <p:txBody>
-          <a:bodyPr wrap="square" rtlCol="0">
-            <a:spAutoFit/>
-          </a:bodyPr>
-          <a:lstStyle/>
-          <a:p>
-            <a:pPr marL="342900" indent="-342900">
-              <a:buFont typeface="Arial" panose="020B0604020202020204" pitchFamily="34" charset="0"/>
-              <a:buChar char="•"/>
-              <a:defRPr/>
-            </a:pPr>
-            <a:r>
-              <a:rPr lang="en-US" dirty="0">
-                <a:solidFill>
-                  <a:srgbClr val="404040"/>
-                </a:solidFill>
-              </a:rPr>
-              <a:t>Chunk 2 </a:t>
-            </a:r>
-          </a:p>
-          <a:p>
-            <a:pPr marL="800100" lvl="1" indent="-342900">
-              <a:buFont typeface="Arial" panose="020B0604020202020204" pitchFamily="34" charset="0"/>
-              <a:buChar char="•"/>
-              <a:defRPr/>
-            </a:pPr>
-            <a:r>
-              <a:rPr lang="en-US" dirty="0">
-                <a:solidFill>
-                  <a:srgbClr val="404040"/>
-                </a:solidFill>
-              </a:rPr>
-              <a:t>Illustration of 10 Fold CV</a:t>
-            </a:r>
-          </a:p>
-          <a:p>
-            <a:pPr marL="800100" lvl="1" indent="-342900">
-              <a:buFont typeface="Arial" panose="020B0604020202020204" pitchFamily="34" charset="0"/>
-              <a:buChar char="•"/>
-              <a:defRPr/>
-            </a:pPr>
-            <a:r>
-              <a:rPr lang="en-US" dirty="0">
-                <a:solidFill>
-                  <a:srgbClr val="404040"/>
-                </a:solidFill>
-              </a:rPr>
-              <a:t>Finding Best Combination of Alpha and Lambda</a:t>
-            </a:r>
-          </a:p>
-        </p:txBody>
-      </p:sp>
-      <p:sp>
-        <p:nvSpPr>
-          <p:cNvPr id="15" name="Rectangle 12">
-            <a:extLst>
-              <a:ext uri="{FF2B5EF4-FFF2-40B4-BE49-F238E27FC236}">
-                <a16:creationId xmlns:a16="http://schemas.microsoft.com/office/drawing/2014/main" id="{867D4867-5BA7-4462-B2F6-A23F4A622AA7}"/>
-              </a:ext>
-              <a:ext uri="{C183D7F6-B498-43B3-948B-1728B52AA6E4}">
-                <adec:decorative xmlns:adec="http://schemas.microsoft.com/office/drawing/2017/decorative" val="1"/>
-              </a:ext>
-            </a:extLst>
-          </p:cNvPr>
-          <p:cNvSpPr>
-            <a:spLocks noGrp="1" noRot="1" noChangeAspect="1" noMove="1" noResize="1" noEditPoints="1" noAdjustHandles="1" noChangeArrowheads="1" noChangeShapeType="1" noTextEdit="1"/>
-          </p:cNvSpPr>
-          <p:nvPr>
-            <p:extLst>
-              <p:ext uri="{386F3935-93C4-4BCD-93E2-E3B085C9AB24}">
-                <p16:designElem xmlns:p16="http://schemas.microsoft.com/office/powerpoint/2015/main" val="1"/>
-              </p:ext>
-            </p:extLst>
-          </p:nvPr>
-        </p:nvSpPr>
-        <p:spPr>
-          <a:xfrm>
-            <a:off x="0" y="0"/>
-            <a:ext cx="3490722" cy="6858000"/>
-          </a:xfrm>
-          <a:prstGeom prst="rect">
-            <a:avLst/>
-          </a:prstGeom>
-          <a:solidFill>
-            <a:schemeClr val="tx1">
-              <a:lumMod val="75000"/>
-              <a:lumOff val="25000"/>
-            </a:schemeClr>
-          </a:solidFill>
-          <a:ln>
-            <a:noFill/>
-          </a:ln>
-        </p:spPr>
-        <p:style>
-          <a:lnRef idx="0">
-            <a:scrgbClr r="0" g="0" b="0"/>
-          </a:lnRef>
-          <a:fillRef idx="0">
-            <a:scrgbClr r="0" g="0" b="0"/>
-          </a:fillRef>
-          <a:effectRef idx="0">
-            <a:scrgbClr r="0" g="0" b="0"/>
-          </a:effectRef>
-          <a:fontRef idx="minor">
-            <a:schemeClr val="lt1"/>
-          </a:fontRef>
-        </p:style>
-        <p:txBody>
-          <a:bodyPr rtlCol="0" anchor="ctr"/>
-          <a:lstStyle/>
-          <a:p>
-            <a:pPr marL="0" marR="0" lvl="0" indent="0" algn="ctr" defTabSz="457200" rtl="0" eaLnBrk="1" fontAlgn="base" latinLnBrk="0" hangingPunct="1">
-              <a:lnSpc>
-                <a:spcPct val="100000"/>
-              </a:lnSpc>
-              <a:spcBef>
-                <a:spcPct val="0"/>
-              </a:spcBef>
-              <a:spcAft>
-                <a:spcPct val="0"/>
-              </a:spcAft>
-              <a:buClrTx/>
-              <a:buSzTx/>
-              <a:buFontTx/>
-              <a:buNone/>
-              <a:tabLst/>
-              <a:defRPr/>
-            </a:pPr>
-            <a:endParaRPr kumimoji="0" lang="en-US" sz="2400" b="0" i="0" u="none" strike="noStrike" kern="1200" cap="none" spc="0" normalizeH="0" baseline="0" noProof="0">
-              <a:ln>
-                <a:noFill/>
-              </a:ln>
-              <a:solidFill>
-                <a:prstClr val="white"/>
-              </a:solidFill>
-              <a:effectLst/>
-              <a:uLnTx/>
-              <a:uFillTx/>
-              <a:latin typeface="Calibri"/>
-              <a:ea typeface="+mn-ea"/>
-              <a:cs typeface="+mn-cs"/>
-            </a:endParaRPr>
-          </a:p>
-        </p:txBody>
-      </p:sp>
-      <p:sp>
-        <p:nvSpPr>
-          <p:cNvPr id="2" name="Title 1"/>
-          <p:cNvSpPr>
-            <a:spLocks noGrp="1"/>
-          </p:cNvSpPr>
-          <p:nvPr>
-            <p:ph type="title"/>
-          </p:nvPr>
-        </p:nvSpPr>
-        <p:spPr>
-          <a:xfrm>
-            <a:off x="482600" y="643467"/>
-            <a:ext cx="2522980" cy="1597315"/>
-          </a:xfrm>
-          <a:noFill/>
-          <a:ln w="19050">
-            <a:solidFill>
-              <a:schemeClr val="bg1"/>
-            </a:solidFill>
-          </a:ln>
-        </p:spPr>
-        <p:txBody>
-          <a:bodyPr vert="horz" wrap="square" lIns="91440" tIns="45720" rIns="91440" bIns="45720" rtlCol="0" anchor="ctr">
-            <a:normAutofit/>
-          </a:bodyPr>
-          <a:lstStyle/>
-          <a:p>
-            <a:pPr defTabSz="914400" eaLnBrk="1" hangingPunct="1">
-              <a:lnSpc>
-                <a:spcPct val="90000"/>
-              </a:lnSpc>
-            </a:pPr>
-            <a:r>
-              <a:rPr lang="en-US" sz="2400" dirty="0">
-                <a:solidFill>
-                  <a:schemeClr val="bg1"/>
-                </a:solidFill>
-                <a:ea typeface="+mj-ea"/>
-                <a:cs typeface="+mj-cs"/>
-              </a:rPr>
-              <a:t>Part 2: Shrinkage Estimation and More Meditation</a:t>
-            </a:r>
-            <a:endParaRPr lang="en-US" sz="2400" kern="1200" dirty="0">
-              <a:solidFill>
-                <a:schemeClr val="bg1"/>
-              </a:solidFill>
-              <a:latin typeface="+mj-lt"/>
-              <a:ea typeface="+mj-ea"/>
-              <a:cs typeface="+mj-cs"/>
-            </a:endParaRPr>
-          </a:p>
-        </p:txBody>
-      </p:sp>
-      <p:pic>
-        <p:nvPicPr>
-          <p:cNvPr id="8" name="Picture 7">
-            <a:extLst>
-              <a:ext uri="{FF2B5EF4-FFF2-40B4-BE49-F238E27FC236}">
-                <a16:creationId xmlns:a16="http://schemas.microsoft.com/office/drawing/2014/main" id="{521D4292-9ECC-4DA5-8CC0-C561A0DA118E}"/>
-              </a:ext>
-            </a:extLst>
-          </p:cNvPr>
-          <p:cNvPicPr>
-            <a:picLocks noChangeAspect="1"/>
-          </p:cNvPicPr>
-          <p:nvPr/>
-        </p:nvPicPr>
-        <p:blipFill rotWithShape="1">
-          <a:blip r:embed="rId3"/>
-          <a:srcRect l="8000" r="9400"/>
-          <a:stretch/>
-        </p:blipFill>
-        <p:spPr>
-          <a:xfrm>
-            <a:off x="660103" y="3048000"/>
-            <a:ext cx="2167974" cy="2624666"/>
-          </a:xfrm>
-          <a:prstGeom prst="rect">
-            <a:avLst/>
-          </a:prstGeom>
-          <a:noFill/>
-        </p:spPr>
-      </p:pic>
-      <p:pic>
-        <p:nvPicPr>
-          <p:cNvPr id="3" name="Picture 2">
-            <a:extLst>
-              <a:ext uri="{FF2B5EF4-FFF2-40B4-BE49-F238E27FC236}">
-                <a16:creationId xmlns:a16="http://schemas.microsoft.com/office/drawing/2014/main" id="{3FA2FA1B-FF97-45BC-BFB5-7E6A93B125CF}"/>
-              </a:ext>
-            </a:extLst>
-          </p:cNvPr>
-          <p:cNvPicPr>
-            <a:picLocks noChangeAspect="1"/>
-          </p:cNvPicPr>
-          <p:nvPr/>
-        </p:nvPicPr>
-        <p:blipFill>
-          <a:blip r:embed="rId4"/>
-          <a:stretch>
-            <a:fillRect/>
-          </a:stretch>
-        </p:blipFill>
-        <p:spPr>
-          <a:xfrm>
-            <a:off x="4267200" y="2270908"/>
-            <a:ext cx="3571387" cy="2859301"/>
-          </a:xfrm>
-          <a:prstGeom prst="rect">
-            <a:avLst/>
-          </a:prstGeom>
-          <a:ln>
-            <a:solidFill>
-              <a:srgbClr val="404040"/>
-            </a:solidFill>
-          </a:ln>
-        </p:spPr>
-        <p:style>
-          <a:lnRef idx="2">
-            <a:schemeClr val="dk1"/>
-          </a:lnRef>
-          <a:fillRef idx="1">
-            <a:schemeClr val="lt1"/>
-          </a:fillRef>
-          <a:effectRef idx="0">
-            <a:schemeClr val="dk1"/>
-          </a:effectRef>
-          <a:fontRef idx="minor">
-            <a:schemeClr val="dk1"/>
-          </a:fontRef>
-        </p:style>
-      </p:pic>
-      <p:sp>
-        <p:nvSpPr>
-          <p:cNvPr id="4" name="Rectangle 3">
-            <a:extLst>
-              <a:ext uri="{FF2B5EF4-FFF2-40B4-BE49-F238E27FC236}">
-                <a16:creationId xmlns:a16="http://schemas.microsoft.com/office/drawing/2014/main" id="{6F3C57C8-1C51-4257-8C68-73F202C1523B}"/>
-              </a:ext>
-            </a:extLst>
-          </p:cNvPr>
-          <p:cNvSpPr/>
-          <p:nvPr/>
-        </p:nvSpPr>
-        <p:spPr>
-          <a:xfrm>
-            <a:off x="4876800" y="4876800"/>
-            <a:ext cx="3048000" cy="311190"/>
-          </a:xfrm>
-          <a:prstGeom prst="rect">
-            <a:avLst/>
-          </a:prstGeom>
-          <a:noFill/>
-          <a:ln>
-            <a:solidFill>
-              <a:srgbClr val="404040"/>
-            </a:solidFill>
-          </a:ln>
-        </p:spPr>
-        <p:style>
-          <a:lnRef idx="2">
-            <a:schemeClr val="dk1"/>
-          </a:lnRef>
-          <a:fillRef idx="1">
-            <a:schemeClr val="lt1"/>
-          </a:fillRef>
-          <a:effectRef idx="0">
-            <a:schemeClr val="dk1"/>
-          </a:effectRef>
-          <a:fontRef idx="minor">
-            <a:schemeClr val="dk1"/>
-          </a:fontRef>
-        </p:style>
-        <p:txBody>
-          <a:bodyPr rtlCol="0" anchor="ctr"/>
-          <a:lstStyle/>
-          <a:p>
-            <a:pPr algn="ctr"/>
-            <a:endParaRPr lang="en-US"/>
-          </a:p>
-        </p:txBody>
-      </p:sp>
-      <mc:AlternateContent xmlns:mc="http://schemas.openxmlformats.org/markup-compatibility/2006">
-        <mc:Choice xmlns:a14="http://schemas.microsoft.com/office/drawing/2010/main" Requires="a14">
-          <p:sp>
-            <p:nvSpPr>
-              <p:cNvPr id="9" name="TextBox 8">
-                <a:extLst>
-                  <a:ext uri="{FF2B5EF4-FFF2-40B4-BE49-F238E27FC236}">
-                    <a16:creationId xmlns:a16="http://schemas.microsoft.com/office/drawing/2014/main" id="{719ED8BA-F921-451C-917A-5FDF7812BBCB}"/>
-                  </a:ext>
-                </a:extLst>
-              </p:cNvPr>
-              <p:cNvSpPr txBox="1"/>
-              <p:nvPr/>
-            </p:nvSpPr>
-            <p:spPr>
-              <a:xfrm>
-                <a:off x="5181600" y="5814423"/>
-                <a:ext cx="2743200" cy="400110"/>
-              </a:xfrm>
-              <a:prstGeom prst="rect">
-                <a:avLst/>
-              </a:prstGeom>
-              <a:noFill/>
-              <a:ln/>
-            </p:spPr>
-            <p:style>
-              <a:lnRef idx="2">
-                <a:schemeClr val="dk1"/>
-              </a:lnRef>
-              <a:fillRef idx="1">
-                <a:schemeClr val="lt1"/>
-              </a:fillRef>
-              <a:effectRef idx="0">
-                <a:schemeClr val="dk1"/>
-              </a:effectRef>
-              <a:fontRef idx="minor">
-                <a:schemeClr val="dk1"/>
-              </a:fontRef>
-            </p:style>
-            <p:txBody>
-              <a:bodyPr wrap="square" rtlCol="0">
-                <a:spAutoFit/>
-              </a:bodyPr>
-              <a:lstStyle/>
-              <a:p>
-                <a:r>
-                  <a:rPr lang="en-US" sz="2000" dirty="0"/>
-                  <a:t>Best: </a:t>
-                </a:r>
-                <a14:m>
-                  <m:oMath xmlns:m="http://schemas.openxmlformats.org/officeDocument/2006/math">
-                    <m:r>
-                      <a:rPr lang="en-US" sz="2000" i="1">
-                        <a:solidFill>
-                          <a:srgbClr val="404040"/>
-                        </a:solidFill>
-                        <a:latin typeface="Cambria Math" panose="02040503050406030204" pitchFamily="18" charset="0"/>
-                      </a:rPr>
-                      <m:t>𝜆</m:t>
-                    </m:r>
-                    <m:r>
-                      <a:rPr lang="en-US" sz="2000" b="0" i="0" smtClean="0">
-                        <a:solidFill>
-                          <a:srgbClr val="404040"/>
-                        </a:solidFill>
-                        <a:latin typeface="Cambria Math" panose="02040503050406030204" pitchFamily="18" charset="0"/>
-                      </a:rPr>
-                      <m:t>=1 &amp; </m:t>
-                    </m:r>
-                    <m:r>
-                      <a:rPr lang="en-US" sz="2000" b="0" i="1" smtClean="0">
-                        <a:solidFill>
-                          <a:srgbClr val="404040"/>
-                        </a:solidFill>
-                        <a:latin typeface="Cambria Math" panose="02040503050406030204" pitchFamily="18" charset="0"/>
-                      </a:rPr>
-                      <m:t>𝛼</m:t>
-                    </m:r>
-                    <m:r>
-                      <a:rPr lang="en-US" sz="2000" b="0" i="1" smtClean="0">
-                        <a:solidFill>
-                          <a:srgbClr val="404040"/>
-                        </a:solidFill>
-                        <a:latin typeface="Cambria Math" panose="02040503050406030204" pitchFamily="18" charset="0"/>
-                      </a:rPr>
-                      <m:t>=1.24</m:t>
-                    </m:r>
-                  </m:oMath>
-                </a14:m>
-                <a:r>
-                  <a:rPr lang="en-US" sz="2000" dirty="0"/>
-                  <a:t> </a:t>
-                </a:r>
-              </a:p>
-            </p:txBody>
-          </p:sp>
-        </mc:Choice>
-        <mc:Fallback>
-          <p:sp>
-            <p:nvSpPr>
-              <p:cNvPr id="9" name="TextBox 8">
-                <a:extLst>
-                  <a:ext uri="{FF2B5EF4-FFF2-40B4-BE49-F238E27FC236}">
-                    <a16:creationId xmlns:a16="http://schemas.microsoft.com/office/drawing/2014/main" id="{719ED8BA-F921-451C-917A-5FDF7812BBCB}"/>
-                  </a:ext>
-                </a:extLst>
-              </p:cNvPr>
-              <p:cNvSpPr txBox="1">
-                <a:spLocks noRot="1" noChangeAspect="1" noMove="1" noResize="1" noEditPoints="1" noAdjustHandles="1" noChangeArrowheads="1" noChangeShapeType="1" noTextEdit="1"/>
-              </p:cNvSpPr>
-              <p:nvPr/>
-            </p:nvSpPr>
-            <p:spPr>
-              <a:xfrm>
-                <a:off x="5181600" y="5814423"/>
-                <a:ext cx="2743200" cy="400110"/>
-              </a:xfrm>
-              <a:prstGeom prst="rect">
-                <a:avLst/>
-              </a:prstGeom>
-              <a:blipFill>
-                <a:blip r:embed="rId5"/>
-                <a:stretch>
-                  <a:fillRect l="-1762" t="-5797" b="-23188"/>
-                </a:stretch>
-              </a:blipFill>
-              <a:ln/>
-            </p:spPr>
-            <p:txBody>
-              <a:bodyPr/>
-              <a:lstStyle/>
-              <a:p>
-                <a:r>
-                  <a:rPr lang="en-US">
-                    <a:noFill/>
-                  </a:rPr>
-                  <a:t> </a:t>
-                </a:r>
-              </a:p>
-            </p:txBody>
-          </p:sp>
-        </mc:Fallback>
-      </mc:AlternateContent>
-      <p:sp>
-        <p:nvSpPr>
-          <p:cNvPr id="10" name="Arrow: Down 9">
-            <a:extLst>
-              <a:ext uri="{FF2B5EF4-FFF2-40B4-BE49-F238E27FC236}">
-                <a16:creationId xmlns:a16="http://schemas.microsoft.com/office/drawing/2014/main" id="{5ABE32FB-C51A-4B65-9E72-194C0FD711F7}"/>
-              </a:ext>
-            </a:extLst>
-          </p:cNvPr>
-          <p:cNvSpPr/>
-          <p:nvPr/>
-        </p:nvSpPr>
-        <p:spPr>
-          <a:xfrm>
-            <a:off x="6324600" y="5310706"/>
-            <a:ext cx="457200" cy="381000"/>
-          </a:xfrm>
-          <a:prstGeom prst="downArrow">
-            <a:avLst/>
-          </a:prstGeom>
-          <a:solidFill>
-            <a:srgbClr val="404040"/>
-          </a:solidFill>
-          <a:ln>
-            <a:solidFill>
-              <a:srgbClr val="404040"/>
-            </a:solidFill>
-          </a:ln>
-        </p:spPr>
-        <p:style>
-          <a:lnRef idx="2">
-            <a:schemeClr val="dk1"/>
-          </a:lnRef>
-          <a:fillRef idx="1">
-            <a:schemeClr val="lt1"/>
-          </a:fillRef>
-          <a:effectRef idx="0">
-            <a:schemeClr val="dk1"/>
-          </a:effectRef>
-          <a:fontRef idx="minor">
-            <a:schemeClr val="dk1"/>
-          </a:fontRef>
-        </p:style>
-        <p:txBody>
-          <a:bodyPr rtlCol="0" anchor="ctr"/>
-          <a:lstStyle/>
-          <a:p>
-            <a:pPr algn="ctr"/>
-            <a:endParaRPr lang="en-US"/>
-          </a:p>
-        </p:txBody>
-      </p:sp>
-    </p:spTree>
-    <p:custDataLst>
-      <p:tags r:id="rId1"/>
-    </p:custDataLst>
-    <p:extLst>
-      <p:ext uri="{BB962C8B-B14F-4D97-AF65-F5344CB8AC3E}">
-        <p14:creationId xmlns:p14="http://schemas.microsoft.com/office/powerpoint/2010/main" val="1419047263"/>
-      </p:ext>
-    </p:extLst>
-  </p:cSld>
-  <p:clrMapOvr>
-    <a:masterClrMapping/>
-  </p:clrMapOvr>
-</p:sld>
-</file>
-
-<file path=ppt/slides/slide28.xml><?xml version="1.0" encoding="utf-8"?>
-<p:sld xmlns:a="http://schemas.openxmlformats.org/drawingml/2006/main" xmlns:r="http://schemas.openxmlformats.org/officeDocument/2006/relationships" xmlns:p="http://schemas.openxmlformats.org/presentationml/2006/main">
-  <p:cSld>
-    <p:bg>
-      <p:bgPr>
-        <a:solidFill>
-          <a:schemeClr val="bg1">
-            <a:lumMod val="85000"/>
-          </a:schemeClr>
-        </a:solidFill>
-        <a:effectLst/>
-      </p:bgPr>
-    </p:bg>
-    <p:spTree>
-      <p:nvGrpSpPr>
-        <p:cNvPr id="1" name=""/>
-        <p:cNvGrpSpPr/>
-        <p:nvPr/>
-      </p:nvGrpSpPr>
-      <p:grpSpPr>
-        <a:xfrm>
-          <a:off x="0" y="0"/>
-          <a:ext cx="0" cy="0"/>
-          <a:chOff x="0" y="0"/>
-          <a:chExt cx="0" cy="0"/>
-        </a:xfrm>
-      </p:grpSpPr>
-      <p:sp>
-        <p:nvSpPr>
-          <p:cNvPr id="6" name="TextBox 5">
-            <a:extLst>
-              <a:ext uri="{FF2B5EF4-FFF2-40B4-BE49-F238E27FC236}">
-                <a16:creationId xmlns:a16="http://schemas.microsoft.com/office/drawing/2014/main" id="{16EA8ACD-ADC6-4FBA-8160-DA5647025936}"/>
-              </a:ext>
-            </a:extLst>
-          </p:cNvPr>
-          <p:cNvSpPr txBox="1"/>
-          <p:nvPr/>
-        </p:nvSpPr>
-        <p:spPr>
-          <a:xfrm>
-            <a:off x="3733800" y="643467"/>
-            <a:ext cx="5334000" cy="5632311"/>
-          </a:xfrm>
-          <a:prstGeom prst="rect">
-            <a:avLst/>
-          </a:prstGeom>
-          <a:noFill/>
-        </p:spPr>
-        <p:txBody>
-          <a:bodyPr wrap="square" rtlCol="0">
-            <a:spAutoFit/>
-          </a:bodyPr>
-          <a:lstStyle/>
-          <a:p>
-            <a:pPr marL="342900" indent="-342900">
-              <a:buFont typeface="Arial" panose="020B0604020202020204" pitchFamily="34" charset="0"/>
-              <a:buChar char="•"/>
-              <a:defRPr/>
-            </a:pPr>
-            <a:r>
-              <a:rPr lang="en-US" dirty="0">
-                <a:solidFill>
-                  <a:srgbClr val="404040"/>
-                </a:solidFill>
-              </a:rPr>
-              <a:t>Built-In Data </a:t>
-            </a:r>
-          </a:p>
-          <a:p>
-            <a:pPr marL="800100" lvl="1" indent="-342900">
-              <a:buFont typeface="Arial" panose="020B0604020202020204" pitchFamily="34" charset="0"/>
-              <a:buChar char="•"/>
-              <a:defRPr/>
-            </a:pPr>
-            <a:r>
-              <a:rPr lang="en-US" dirty="0">
-                <a:solidFill>
-                  <a:srgbClr val="404040"/>
-                </a:solidFill>
-              </a:rPr>
-              <a:t>n=234 </a:t>
-            </a:r>
-          </a:p>
-          <a:p>
-            <a:pPr marL="800100" lvl="1" indent="-342900">
-              <a:buFont typeface="Arial" panose="020B0604020202020204" pitchFamily="34" charset="0"/>
-              <a:buChar char="•"/>
-              <a:defRPr/>
-            </a:pPr>
-            <a:r>
-              <a:rPr lang="en-US" dirty="0">
-                <a:solidFill>
-                  <a:srgbClr val="404040"/>
-                </a:solidFill>
-              </a:rPr>
-              <a:t>Focus is on Modeling Hwy MPG</a:t>
-            </a:r>
-          </a:p>
-          <a:p>
-            <a:pPr marL="800100" lvl="1" indent="-342900">
-              <a:buFont typeface="Arial" panose="020B0604020202020204" pitchFamily="34" charset="0"/>
-              <a:buChar char="•"/>
-              <a:defRPr/>
-            </a:pPr>
-            <a:r>
-              <a:rPr lang="en-US" dirty="0">
-                <a:solidFill>
-                  <a:srgbClr val="404040"/>
-                </a:solidFill>
-              </a:rPr>
-              <a:t>Subset Data to Include Only Wanted Covariates</a:t>
-            </a:r>
-          </a:p>
-          <a:p>
-            <a:pPr marL="800100" lvl="1" indent="-342900">
-              <a:buFont typeface="Arial" panose="020B0604020202020204" pitchFamily="34" charset="0"/>
-              <a:buChar char="•"/>
-              <a:defRPr/>
-            </a:pPr>
-            <a:endParaRPr lang="en-US" dirty="0">
-              <a:solidFill>
-                <a:srgbClr val="404040"/>
-              </a:solidFill>
-            </a:endParaRPr>
-          </a:p>
-          <a:p>
-            <a:pPr marL="800100" lvl="1" indent="-342900">
-              <a:buFont typeface="Arial" panose="020B0604020202020204" pitchFamily="34" charset="0"/>
-              <a:buChar char="•"/>
-              <a:defRPr/>
-            </a:pPr>
-            <a:endParaRPr lang="en-US" dirty="0">
-              <a:solidFill>
-                <a:srgbClr val="404040"/>
-              </a:solidFill>
-            </a:endParaRPr>
-          </a:p>
-          <a:p>
-            <a:pPr marL="800100" lvl="1" indent="-342900">
-              <a:buFont typeface="Arial" panose="020B0604020202020204" pitchFamily="34" charset="0"/>
-              <a:buChar char="•"/>
-              <a:defRPr/>
-            </a:pPr>
-            <a:endParaRPr lang="en-US" dirty="0">
-              <a:solidFill>
-                <a:srgbClr val="404040"/>
-              </a:solidFill>
-            </a:endParaRPr>
-          </a:p>
-          <a:p>
-            <a:pPr marL="800100" lvl="1" indent="-342900">
-              <a:buFont typeface="Arial" panose="020B0604020202020204" pitchFamily="34" charset="0"/>
-              <a:buChar char="•"/>
-              <a:defRPr/>
-            </a:pPr>
-            <a:endParaRPr lang="en-US" dirty="0">
-              <a:solidFill>
-                <a:srgbClr val="404040"/>
-              </a:solidFill>
-            </a:endParaRPr>
-          </a:p>
-          <a:p>
-            <a:pPr marL="800100" lvl="1" indent="-342900">
-              <a:buFont typeface="Arial" panose="020B0604020202020204" pitchFamily="34" charset="0"/>
-              <a:buChar char="•"/>
-              <a:defRPr/>
-            </a:pPr>
-            <a:endParaRPr lang="en-US" dirty="0">
-              <a:solidFill>
-                <a:srgbClr val="404040"/>
-              </a:solidFill>
-            </a:endParaRPr>
-          </a:p>
-          <a:p>
-            <a:pPr marL="800100" lvl="1" indent="-342900">
-              <a:buFont typeface="Arial" panose="020B0604020202020204" pitchFamily="34" charset="0"/>
-              <a:buChar char="•"/>
-              <a:defRPr/>
-            </a:pPr>
-            <a:r>
-              <a:rPr lang="en-US" dirty="0">
-                <a:solidFill>
-                  <a:srgbClr val="404040"/>
-                </a:solidFill>
-              </a:rPr>
-              <a:t>There are p=7 Covariates</a:t>
-            </a:r>
-          </a:p>
-          <a:p>
-            <a:pPr marL="800100" lvl="1" indent="-342900">
-              <a:buFont typeface="Arial" panose="020B0604020202020204" pitchFamily="34" charset="0"/>
-              <a:buChar char="•"/>
-              <a:defRPr/>
-            </a:pPr>
-            <a:r>
-              <a:rPr lang="en-US" dirty="0">
-                <a:solidFill>
-                  <a:srgbClr val="404040"/>
-                </a:solidFill>
-              </a:rPr>
-              <a:t>Difficulty</a:t>
-            </a:r>
-          </a:p>
-          <a:p>
-            <a:pPr marL="1257300" lvl="2" indent="-342900">
-              <a:buFont typeface="Arial" panose="020B0604020202020204" pitchFamily="34" charset="0"/>
-              <a:buChar char="•"/>
-              <a:defRPr/>
-            </a:pPr>
-            <a:r>
-              <a:rPr lang="en-US" dirty="0">
-                <a:solidFill>
-                  <a:srgbClr val="404040"/>
-                </a:solidFill>
-              </a:rPr>
-              <a:t>Fitting all Combinations</a:t>
-            </a:r>
-          </a:p>
-          <a:p>
-            <a:pPr marL="1257300" lvl="2" indent="-342900">
-              <a:buFont typeface="Arial" panose="020B0604020202020204" pitchFamily="34" charset="0"/>
-              <a:buChar char="•"/>
-              <a:defRPr/>
-            </a:pPr>
-            <a:r>
-              <a:rPr lang="en-US" dirty="0">
-                <a:solidFill>
-                  <a:srgbClr val="404040"/>
-                </a:solidFill>
-              </a:rPr>
-              <a:t>Considering All 2-Way Interaction Terms</a:t>
-            </a:r>
-          </a:p>
-        </p:txBody>
-      </p:sp>
-      <p:sp>
-        <p:nvSpPr>
-          <p:cNvPr id="15" name="Rectangle 12">
-            <a:extLst>
-              <a:ext uri="{FF2B5EF4-FFF2-40B4-BE49-F238E27FC236}">
-                <a16:creationId xmlns:a16="http://schemas.microsoft.com/office/drawing/2014/main" id="{867D4867-5BA7-4462-B2F6-A23F4A622AA7}"/>
-              </a:ext>
-              <a:ext uri="{C183D7F6-B498-43B3-948B-1728B52AA6E4}">
-                <adec:decorative xmlns:adec="http://schemas.microsoft.com/office/drawing/2017/decorative" val="1"/>
-              </a:ext>
-            </a:extLst>
-          </p:cNvPr>
-          <p:cNvSpPr>
-            <a:spLocks noGrp="1" noRot="1" noChangeAspect="1" noMove="1" noResize="1" noEditPoints="1" noAdjustHandles="1" noChangeArrowheads="1" noChangeShapeType="1" noTextEdit="1"/>
-          </p:cNvSpPr>
-          <p:nvPr>
-            <p:extLst>
-              <p:ext uri="{386F3935-93C4-4BCD-93E2-E3B085C9AB24}">
-                <p16:designElem xmlns:p16="http://schemas.microsoft.com/office/powerpoint/2015/main" val="1"/>
-              </p:ext>
-            </p:extLst>
-          </p:nvPr>
-        </p:nvSpPr>
-        <p:spPr>
-          <a:xfrm>
-            <a:off x="0" y="0"/>
-            <a:ext cx="3490722" cy="6858000"/>
-          </a:xfrm>
-          <a:prstGeom prst="rect">
-            <a:avLst/>
-          </a:prstGeom>
-          <a:solidFill>
-            <a:schemeClr val="tx1">
-              <a:lumMod val="75000"/>
-              <a:lumOff val="25000"/>
-            </a:schemeClr>
-          </a:solidFill>
-          <a:ln>
-            <a:noFill/>
-          </a:ln>
-        </p:spPr>
-        <p:style>
-          <a:lnRef idx="0">
-            <a:scrgbClr r="0" g="0" b="0"/>
-          </a:lnRef>
-          <a:fillRef idx="0">
-            <a:scrgbClr r="0" g="0" b="0"/>
-          </a:fillRef>
-          <a:effectRef idx="0">
-            <a:scrgbClr r="0" g="0" b="0"/>
-          </a:effectRef>
-          <a:fontRef idx="minor">
-            <a:schemeClr val="lt1"/>
-          </a:fontRef>
-        </p:style>
-        <p:txBody>
-          <a:bodyPr rtlCol="0" anchor="ctr"/>
-          <a:lstStyle/>
-          <a:p>
-            <a:pPr marL="0" marR="0" lvl="0" indent="0" algn="ctr" defTabSz="457200" rtl="0" eaLnBrk="1" fontAlgn="base" latinLnBrk="0" hangingPunct="1">
-              <a:lnSpc>
-                <a:spcPct val="100000"/>
-              </a:lnSpc>
-              <a:spcBef>
-                <a:spcPct val="0"/>
-              </a:spcBef>
-              <a:spcAft>
-                <a:spcPct val="0"/>
-              </a:spcAft>
-              <a:buClrTx/>
-              <a:buSzTx/>
-              <a:buFontTx/>
-              <a:buNone/>
-              <a:tabLst/>
-              <a:defRPr/>
-            </a:pPr>
-            <a:endParaRPr kumimoji="0" lang="en-US" sz="2400" b="0" i="0" u="none" strike="noStrike" kern="1200" cap="none" spc="0" normalizeH="0" baseline="0" noProof="0">
-              <a:ln>
-                <a:noFill/>
-              </a:ln>
-              <a:solidFill>
-                <a:prstClr val="white"/>
-              </a:solidFill>
-              <a:effectLst/>
-              <a:uLnTx/>
-              <a:uFillTx/>
-              <a:latin typeface="Calibri"/>
-              <a:ea typeface="+mn-ea"/>
-              <a:cs typeface="+mn-cs"/>
-            </a:endParaRPr>
-          </a:p>
-        </p:txBody>
-      </p:sp>
-      <p:sp>
-        <p:nvSpPr>
-          <p:cNvPr id="2" name="Title 1"/>
-          <p:cNvSpPr>
-            <a:spLocks noGrp="1"/>
-          </p:cNvSpPr>
-          <p:nvPr>
-            <p:ph type="title"/>
-          </p:nvPr>
-        </p:nvSpPr>
-        <p:spPr>
-          <a:xfrm>
-            <a:off x="482600" y="643467"/>
-            <a:ext cx="2522980" cy="1597315"/>
-          </a:xfrm>
-          <a:noFill/>
-          <a:ln w="19050">
-            <a:solidFill>
-              <a:schemeClr val="bg1"/>
-            </a:solidFill>
-          </a:ln>
-        </p:spPr>
-        <p:txBody>
-          <a:bodyPr vert="horz" wrap="square" lIns="91440" tIns="45720" rIns="91440" bIns="45720" rtlCol="0" anchor="ctr">
-            <a:normAutofit/>
-          </a:bodyPr>
-          <a:lstStyle/>
-          <a:p>
-            <a:pPr defTabSz="914400" eaLnBrk="1" hangingPunct="1">
-              <a:lnSpc>
-                <a:spcPct val="90000"/>
-              </a:lnSpc>
-            </a:pPr>
-            <a:r>
-              <a:rPr lang="en-US" sz="2400" dirty="0">
-                <a:solidFill>
-                  <a:schemeClr val="bg1"/>
-                </a:solidFill>
-                <a:ea typeface="+mj-ea"/>
-                <a:cs typeface="+mj-cs"/>
-              </a:rPr>
-              <a:t>Part 3: Less Meditation and More Application</a:t>
-            </a:r>
-            <a:endParaRPr lang="en-US" sz="2400" kern="1200" dirty="0">
-              <a:solidFill>
-                <a:schemeClr val="bg1"/>
-              </a:solidFill>
-              <a:latin typeface="+mj-lt"/>
-              <a:ea typeface="+mj-ea"/>
-              <a:cs typeface="+mj-cs"/>
-            </a:endParaRPr>
-          </a:p>
-        </p:txBody>
-      </p:sp>
-      <p:pic>
-        <p:nvPicPr>
-          <p:cNvPr id="8" name="Picture 7">
-            <a:extLst>
-              <a:ext uri="{FF2B5EF4-FFF2-40B4-BE49-F238E27FC236}">
-                <a16:creationId xmlns:a16="http://schemas.microsoft.com/office/drawing/2014/main" id="{521D4292-9ECC-4DA5-8CC0-C561A0DA118E}"/>
-              </a:ext>
-            </a:extLst>
-          </p:cNvPr>
-          <p:cNvPicPr>
-            <a:picLocks noChangeAspect="1"/>
-          </p:cNvPicPr>
-          <p:nvPr/>
-        </p:nvPicPr>
-        <p:blipFill rotWithShape="1">
-          <a:blip r:embed="rId3"/>
-          <a:srcRect l="8000" r="9400"/>
-          <a:stretch/>
-        </p:blipFill>
-        <p:spPr>
-          <a:xfrm>
-            <a:off x="660103" y="3048000"/>
-            <a:ext cx="2167974" cy="2624666"/>
-          </a:xfrm>
-          <a:prstGeom prst="rect">
-            <a:avLst/>
-          </a:prstGeom>
-          <a:noFill/>
-        </p:spPr>
-      </p:pic>
-      <p:sp>
-        <p:nvSpPr>
-          <p:cNvPr id="11" name="TextBox 10">
-            <a:extLst>
-              <a:ext uri="{FF2B5EF4-FFF2-40B4-BE49-F238E27FC236}">
-                <a16:creationId xmlns:a16="http://schemas.microsoft.com/office/drawing/2014/main" id="{940E0E80-8E33-4146-939C-E31C11883F27}"/>
-              </a:ext>
-            </a:extLst>
-          </p:cNvPr>
-          <p:cNvSpPr txBox="1"/>
-          <p:nvPr/>
-        </p:nvSpPr>
-        <p:spPr>
-          <a:xfrm>
-            <a:off x="5981700" y="658855"/>
-            <a:ext cx="838200" cy="400110"/>
-          </a:xfrm>
-          <a:prstGeom prst="rect">
-            <a:avLst/>
-          </a:prstGeom>
-          <a:solidFill>
-            <a:srgbClr val="404040"/>
-          </a:solidFill>
-          <a:ln>
-            <a:solidFill>
-              <a:srgbClr val="404040"/>
-            </a:solidFill>
-          </a:ln>
-        </p:spPr>
-        <p:style>
-          <a:lnRef idx="2">
-            <a:schemeClr val="dk1"/>
-          </a:lnRef>
-          <a:fillRef idx="1">
-            <a:schemeClr val="lt1"/>
-          </a:fillRef>
-          <a:effectRef idx="0">
-            <a:schemeClr val="dk1"/>
-          </a:effectRef>
-          <a:fontRef idx="minor">
-            <a:schemeClr val="dk1"/>
-          </a:fontRef>
-        </p:style>
-        <p:txBody>
-          <a:bodyPr wrap="square" rtlCol="0">
-            <a:spAutoFit/>
-          </a:bodyPr>
-          <a:lstStyle/>
-          <a:p>
-            <a:r>
-              <a:rPr lang="en-US" sz="2000" dirty="0">
-                <a:solidFill>
-                  <a:schemeClr val="bg1"/>
-                </a:solidFill>
-              </a:rPr>
-              <a:t>&gt; mpg</a:t>
-            </a:r>
-          </a:p>
-        </p:txBody>
-      </p:sp>
-      <p:pic>
-        <p:nvPicPr>
-          <p:cNvPr id="5" name="Picture 4">
-            <a:extLst>
-              <a:ext uri="{FF2B5EF4-FFF2-40B4-BE49-F238E27FC236}">
-                <a16:creationId xmlns:a16="http://schemas.microsoft.com/office/drawing/2014/main" id="{D8E5298C-7E7E-4C17-B09A-286857B79B72}"/>
-              </a:ext>
-            </a:extLst>
-          </p:cNvPr>
-          <p:cNvPicPr>
-            <a:picLocks noChangeAspect="1"/>
-          </p:cNvPicPr>
-          <p:nvPr/>
-        </p:nvPicPr>
-        <p:blipFill>
-          <a:blip r:embed="rId4"/>
-          <a:stretch>
-            <a:fillRect/>
-          </a:stretch>
-        </p:blipFill>
-        <p:spPr>
-          <a:xfrm>
-            <a:off x="3590924" y="2590800"/>
-            <a:ext cx="5476875" cy="1430266"/>
-          </a:xfrm>
-          <a:prstGeom prst="rect">
-            <a:avLst/>
-          </a:prstGeom>
-          <a:ln>
-            <a:solidFill>
-              <a:srgbClr val="404040"/>
-            </a:solidFill>
-          </a:ln>
-        </p:spPr>
-        <p:style>
-          <a:lnRef idx="2">
-            <a:schemeClr val="dk1"/>
-          </a:lnRef>
-          <a:fillRef idx="1">
-            <a:schemeClr val="lt1"/>
-          </a:fillRef>
-          <a:effectRef idx="0">
-            <a:schemeClr val="dk1"/>
-          </a:effectRef>
-          <a:fontRef idx="minor">
-            <a:schemeClr val="dk1"/>
-          </a:fontRef>
-        </p:style>
-      </p:pic>
-    </p:spTree>
-    <p:custDataLst>
-      <p:tags r:id="rId1"/>
-    </p:custDataLst>
-    <p:extLst>
-      <p:ext uri="{BB962C8B-B14F-4D97-AF65-F5344CB8AC3E}">
-        <p14:creationId xmlns:p14="http://schemas.microsoft.com/office/powerpoint/2010/main" val="1938999560"/>
-      </p:ext>
-    </p:extLst>
-  </p:cSld>
-  <p:clrMapOvr>
-    <a:masterClrMapping/>
-  </p:clrMapOvr>
-</p:sld>
-</file>
-
-<file path=ppt/slides/slide29.xml><?xml version="1.0" encoding="utf-8"?>
-<p:sld xmlns:a="http://schemas.openxmlformats.org/drawingml/2006/main" xmlns:r="http://schemas.openxmlformats.org/officeDocument/2006/relationships" xmlns:p="http://schemas.openxmlformats.org/presentationml/2006/main">
-  <p:cSld>
-    <p:bg>
-      <p:bgPr>
-        <a:solidFill>
-          <a:schemeClr val="bg1">
-            <a:lumMod val="85000"/>
-          </a:schemeClr>
-        </a:solidFill>
-        <a:effectLst/>
-      </p:bgPr>
-    </p:bg>
-    <p:spTree>
-      <p:nvGrpSpPr>
-        <p:cNvPr id="1" name=""/>
-        <p:cNvGrpSpPr/>
-        <p:nvPr/>
-      </p:nvGrpSpPr>
-      <p:grpSpPr>
-        <a:xfrm>
-          <a:off x="0" y="0"/>
-          <a:ext cx="0" cy="0"/>
-          <a:chOff x="0" y="0"/>
-          <a:chExt cx="0" cy="0"/>
-        </a:xfrm>
-      </p:grpSpPr>
-      <p:sp>
-        <p:nvSpPr>
-          <p:cNvPr id="6" name="TextBox 5">
-            <a:extLst>
-              <a:ext uri="{FF2B5EF4-FFF2-40B4-BE49-F238E27FC236}">
-                <a16:creationId xmlns:a16="http://schemas.microsoft.com/office/drawing/2014/main" id="{16EA8ACD-ADC6-4FBA-8160-DA5647025936}"/>
-              </a:ext>
-            </a:extLst>
-          </p:cNvPr>
-          <p:cNvSpPr txBox="1"/>
-          <p:nvPr/>
-        </p:nvSpPr>
-        <p:spPr>
-          <a:xfrm>
-            <a:off x="3733800" y="643467"/>
-            <a:ext cx="5334000" cy="4154984"/>
-          </a:xfrm>
-          <a:prstGeom prst="rect">
-            <a:avLst/>
-          </a:prstGeom>
-          <a:noFill/>
-        </p:spPr>
-        <p:txBody>
-          <a:bodyPr wrap="square" rtlCol="0">
-            <a:spAutoFit/>
-          </a:bodyPr>
-          <a:lstStyle/>
-          <a:p>
-            <a:pPr marL="342900" indent="-342900">
-              <a:buFont typeface="Arial" panose="020B0604020202020204" pitchFamily="34" charset="0"/>
-              <a:buChar char="•"/>
-              <a:defRPr/>
-            </a:pPr>
-            <a:r>
-              <a:rPr lang="en-US" dirty="0">
-                <a:solidFill>
-                  <a:srgbClr val="404040"/>
-                </a:solidFill>
-              </a:rPr>
-              <a:t>Run Chunk 1</a:t>
-            </a:r>
-          </a:p>
-          <a:p>
-            <a:pPr marL="800100" lvl="1" indent="-342900">
-              <a:buFont typeface="Arial" panose="020B0604020202020204" pitchFamily="34" charset="0"/>
-              <a:buChar char="•"/>
-              <a:defRPr/>
-            </a:pPr>
-            <a:r>
-              <a:rPr lang="en-US" dirty="0">
-                <a:solidFill>
-                  <a:srgbClr val="404040"/>
-                </a:solidFill>
-              </a:rPr>
-              <a:t>Creating Model Matrix</a:t>
-            </a:r>
-          </a:p>
-          <a:p>
-            <a:pPr marL="1257300" lvl="2" indent="-342900">
-              <a:buFont typeface="Arial" panose="020B0604020202020204" pitchFamily="34" charset="0"/>
-              <a:buChar char="•"/>
-              <a:defRPr/>
-            </a:pPr>
-            <a:r>
-              <a:rPr lang="en-US" dirty="0">
-                <a:solidFill>
-                  <a:srgbClr val="404040"/>
-                </a:solidFill>
-              </a:rPr>
-              <a:t>Up to 2-Way Interactions</a:t>
-            </a:r>
-          </a:p>
-          <a:p>
-            <a:pPr marL="1257300" lvl="2" indent="-342900">
-              <a:buFont typeface="Arial" panose="020B0604020202020204" pitchFamily="34" charset="0"/>
-              <a:buChar char="•"/>
-              <a:defRPr/>
-            </a:pPr>
-            <a:r>
-              <a:rPr lang="en-US" dirty="0">
-                <a:solidFill>
-                  <a:srgbClr val="404040"/>
-                </a:solidFill>
-              </a:rPr>
-              <a:t>Now, p=115</a:t>
-            </a:r>
-          </a:p>
-          <a:p>
-            <a:pPr marL="800100" lvl="1" indent="-342900">
-              <a:buFont typeface="Arial" panose="020B0604020202020204" pitchFamily="34" charset="0"/>
-              <a:buChar char="•"/>
-              <a:defRPr/>
-            </a:pPr>
-            <a:r>
-              <a:rPr lang="en-US" dirty="0">
-                <a:solidFill>
-                  <a:srgbClr val="404040"/>
-                </a:solidFill>
-              </a:rPr>
-              <a:t>Model Selection is Difficult</a:t>
-            </a:r>
-          </a:p>
-          <a:p>
-            <a:pPr marL="800100" lvl="1" indent="-342900">
-              <a:buFont typeface="Arial" panose="020B0604020202020204" pitchFamily="34" charset="0"/>
-              <a:buChar char="•"/>
-              <a:defRPr/>
-            </a:pPr>
-            <a:r>
-              <a:rPr lang="en-US" dirty="0">
-                <a:solidFill>
-                  <a:srgbClr val="404040"/>
-                </a:solidFill>
-              </a:rPr>
-              <a:t>Dividing Data into Train &amp; Test is Not Advised (n=234)</a:t>
-            </a:r>
-          </a:p>
-          <a:p>
-            <a:pPr marL="800100" lvl="1" indent="-342900">
-              <a:buFont typeface="Arial" panose="020B0604020202020204" pitchFamily="34" charset="0"/>
-              <a:buChar char="•"/>
-              <a:defRPr/>
-            </a:pPr>
-            <a:endParaRPr lang="en-US" dirty="0">
-              <a:solidFill>
-                <a:srgbClr val="404040"/>
-              </a:solidFill>
-            </a:endParaRPr>
-          </a:p>
-          <a:p>
-            <a:pPr marL="342900" indent="-342900">
-              <a:buFont typeface="Arial" panose="020B0604020202020204" pitchFamily="34" charset="0"/>
-              <a:buChar char="•"/>
-              <a:defRPr/>
-            </a:pPr>
-            <a:r>
-              <a:rPr lang="en-US" dirty="0">
-                <a:solidFill>
-                  <a:srgbClr val="404040"/>
-                </a:solidFill>
-              </a:rPr>
-              <a:t>Run Chunk 2</a:t>
-            </a:r>
-          </a:p>
-          <a:p>
-            <a:pPr marL="800100" lvl="1" indent="-342900">
-              <a:buFont typeface="Arial" panose="020B0604020202020204" pitchFamily="34" charset="0"/>
-              <a:buChar char="•"/>
-              <a:defRPr/>
-            </a:pPr>
-            <a:r>
-              <a:rPr lang="en-US" dirty="0">
-                <a:solidFill>
-                  <a:srgbClr val="404040"/>
-                </a:solidFill>
-              </a:rPr>
-              <a:t>Only a Few Options</a:t>
-            </a:r>
-          </a:p>
-          <a:p>
-            <a:pPr lvl="1">
-              <a:defRPr/>
-            </a:pPr>
-            <a:endParaRPr lang="en-US" dirty="0">
-              <a:solidFill>
-                <a:srgbClr val="404040"/>
-              </a:solidFill>
-            </a:endParaRPr>
-          </a:p>
-        </p:txBody>
-      </p:sp>
-      <p:sp>
-        <p:nvSpPr>
-          <p:cNvPr id="15" name="Rectangle 12">
-            <a:extLst>
-              <a:ext uri="{FF2B5EF4-FFF2-40B4-BE49-F238E27FC236}">
-                <a16:creationId xmlns:a16="http://schemas.microsoft.com/office/drawing/2014/main" id="{867D4867-5BA7-4462-B2F6-A23F4A622AA7}"/>
-              </a:ext>
-              <a:ext uri="{C183D7F6-B498-43B3-948B-1728B52AA6E4}">
-                <adec:decorative xmlns:adec="http://schemas.microsoft.com/office/drawing/2017/decorative" val="1"/>
-              </a:ext>
-            </a:extLst>
-          </p:cNvPr>
-          <p:cNvSpPr>
-            <a:spLocks noGrp="1" noRot="1" noChangeAspect="1" noMove="1" noResize="1" noEditPoints="1" noAdjustHandles="1" noChangeArrowheads="1" noChangeShapeType="1" noTextEdit="1"/>
-          </p:cNvSpPr>
-          <p:nvPr>
-            <p:extLst>
-              <p:ext uri="{386F3935-93C4-4BCD-93E2-E3B085C9AB24}">
-                <p16:designElem xmlns:p16="http://schemas.microsoft.com/office/powerpoint/2015/main" val="1"/>
-              </p:ext>
-            </p:extLst>
-          </p:nvPr>
-        </p:nvSpPr>
-        <p:spPr>
-          <a:xfrm>
-            <a:off x="0" y="0"/>
-            <a:ext cx="3490722" cy="6858000"/>
-          </a:xfrm>
-          <a:prstGeom prst="rect">
-            <a:avLst/>
-          </a:prstGeom>
-          <a:solidFill>
-            <a:schemeClr val="tx1">
-              <a:lumMod val="75000"/>
-              <a:lumOff val="25000"/>
-            </a:schemeClr>
-          </a:solidFill>
-          <a:ln>
-            <a:noFill/>
-          </a:ln>
-        </p:spPr>
-        <p:style>
-          <a:lnRef idx="0">
-            <a:scrgbClr r="0" g="0" b="0"/>
-          </a:lnRef>
-          <a:fillRef idx="0">
-            <a:scrgbClr r="0" g="0" b="0"/>
-          </a:fillRef>
-          <a:effectRef idx="0">
-            <a:scrgbClr r="0" g="0" b="0"/>
-          </a:effectRef>
-          <a:fontRef idx="minor">
-            <a:schemeClr val="lt1"/>
-          </a:fontRef>
-        </p:style>
-        <p:txBody>
-          <a:bodyPr rtlCol="0" anchor="ctr"/>
-          <a:lstStyle/>
-          <a:p>
-            <a:pPr marL="0" marR="0" lvl="0" indent="0" algn="ctr" defTabSz="457200" rtl="0" eaLnBrk="1" fontAlgn="base" latinLnBrk="0" hangingPunct="1">
-              <a:lnSpc>
-                <a:spcPct val="100000"/>
-              </a:lnSpc>
-              <a:spcBef>
-                <a:spcPct val="0"/>
-              </a:spcBef>
-              <a:spcAft>
-                <a:spcPct val="0"/>
-              </a:spcAft>
-              <a:buClrTx/>
-              <a:buSzTx/>
-              <a:buFontTx/>
-              <a:buNone/>
-              <a:tabLst/>
-              <a:defRPr/>
-            </a:pPr>
-            <a:endParaRPr kumimoji="0" lang="en-US" sz="2400" b="0" i="0" u="none" strike="noStrike" kern="1200" cap="none" spc="0" normalizeH="0" baseline="0" noProof="0">
-              <a:ln>
-                <a:noFill/>
-              </a:ln>
-              <a:solidFill>
-                <a:prstClr val="white"/>
-              </a:solidFill>
-              <a:effectLst/>
-              <a:uLnTx/>
-              <a:uFillTx/>
-              <a:latin typeface="Calibri"/>
-              <a:ea typeface="+mn-ea"/>
-              <a:cs typeface="+mn-cs"/>
-            </a:endParaRPr>
-          </a:p>
-        </p:txBody>
-      </p:sp>
-      <p:sp>
-        <p:nvSpPr>
-          <p:cNvPr id="2" name="Title 1"/>
-          <p:cNvSpPr>
-            <a:spLocks noGrp="1"/>
-          </p:cNvSpPr>
-          <p:nvPr>
-            <p:ph type="title"/>
-          </p:nvPr>
-        </p:nvSpPr>
-        <p:spPr>
-          <a:xfrm>
-            <a:off x="482600" y="643467"/>
-            <a:ext cx="2522980" cy="1597315"/>
-          </a:xfrm>
-          <a:noFill/>
-          <a:ln w="19050">
-            <a:solidFill>
-              <a:schemeClr val="bg1"/>
-            </a:solidFill>
-          </a:ln>
-        </p:spPr>
-        <p:txBody>
-          <a:bodyPr vert="horz" wrap="square" lIns="91440" tIns="45720" rIns="91440" bIns="45720" rtlCol="0" anchor="ctr">
-            <a:normAutofit/>
-          </a:bodyPr>
-          <a:lstStyle/>
-          <a:p>
-            <a:pPr defTabSz="914400" eaLnBrk="1" hangingPunct="1">
-              <a:lnSpc>
-                <a:spcPct val="90000"/>
-              </a:lnSpc>
-            </a:pPr>
-            <a:r>
-              <a:rPr lang="en-US" sz="2400" dirty="0">
-                <a:solidFill>
-                  <a:schemeClr val="bg1"/>
-                </a:solidFill>
-                <a:ea typeface="+mj-ea"/>
-                <a:cs typeface="+mj-cs"/>
-              </a:rPr>
-              <a:t>Part 3: Less Meditation and More Application</a:t>
-            </a:r>
-            <a:endParaRPr lang="en-US" sz="2400" kern="1200" dirty="0">
-              <a:solidFill>
-                <a:schemeClr val="bg1"/>
-              </a:solidFill>
-              <a:latin typeface="+mj-lt"/>
-              <a:ea typeface="+mj-ea"/>
-              <a:cs typeface="+mj-cs"/>
-            </a:endParaRPr>
-          </a:p>
-        </p:txBody>
-      </p:sp>
-      <p:pic>
-        <p:nvPicPr>
-          <p:cNvPr id="8" name="Picture 7">
-            <a:extLst>
-              <a:ext uri="{FF2B5EF4-FFF2-40B4-BE49-F238E27FC236}">
-                <a16:creationId xmlns:a16="http://schemas.microsoft.com/office/drawing/2014/main" id="{521D4292-9ECC-4DA5-8CC0-C561A0DA118E}"/>
-              </a:ext>
-            </a:extLst>
-          </p:cNvPr>
-          <p:cNvPicPr>
-            <a:picLocks noChangeAspect="1"/>
-          </p:cNvPicPr>
-          <p:nvPr/>
-        </p:nvPicPr>
-        <p:blipFill rotWithShape="1">
-          <a:blip r:embed="rId3"/>
-          <a:srcRect l="8000" r="9400"/>
-          <a:stretch/>
-        </p:blipFill>
-        <p:spPr>
-          <a:xfrm>
-            <a:off x="660103" y="3048000"/>
-            <a:ext cx="2167974" cy="2624666"/>
-          </a:xfrm>
-          <a:prstGeom prst="rect">
-            <a:avLst/>
-          </a:prstGeom>
-          <a:noFill/>
-        </p:spPr>
-      </p:pic>
-      <p:sp>
-        <p:nvSpPr>
-          <p:cNvPr id="9" name="TextBox 8">
-            <a:extLst>
-              <a:ext uri="{FF2B5EF4-FFF2-40B4-BE49-F238E27FC236}">
-                <a16:creationId xmlns:a16="http://schemas.microsoft.com/office/drawing/2014/main" id="{98E9ED07-7413-4AE2-A2C7-FC869DBEC19F}"/>
-              </a:ext>
-            </a:extLst>
-          </p:cNvPr>
-          <p:cNvSpPr txBox="1"/>
-          <p:nvPr/>
-        </p:nvSpPr>
-        <p:spPr>
-          <a:xfrm>
-            <a:off x="4267503" y="6335115"/>
-            <a:ext cx="4065745" cy="400110"/>
-          </a:xfrm>
-          <a:prstGeom prst="rect">
-            <a:avLst/>
-          </a:prstGeom>
-          <a:noFill/>
-          <a:ln>
-            <a:solidFill>
-              <a:srgbClr val="404040"/>
-            </a:solidFill>
-          </a:ln>
-        </p:spPr>
-        <p:style>
-          <a:lnRef idx="2">
-            <a:schemeClr val="dk1"/>
-          </a:lnRef>
-          <a:fillRef idx="1">
-            <a:schemeClr val="lt1"/>
-          </a:fillRef>
-          <a:effectRef idx="0">
-            <a:schemeClr val="dk1"/>
-          </a:effectRef>
-          <a:fontRef idx="minor">
-            <a:schemeClr val="dk1"/>
-          </a:fontRef>
-        </p:style>
-        <p:txBody>
-          <a:bodyPr wrap="square" rtlCol="0">
-            <a:spAutoFit/>
-          </a:bodyPr>
-          <a:lstStyle/>
-          <a:p>
-            <a:pPr algn="ctr"/>
-            <a:r>
-              <a:rPr lang="en-US" sz="2000" dirty="0"/>
-              <a:t>Lowest Estimation of Prediction Error</a:t>
-            </a:r>
-          </a:p>
-        </p:txBody>
-      </p:sp>
-      <p:pic>
-        <p:nvPicPr>
-          <p:cNvPr id="14" name="Picture 13">
-            <a:extLst>
-              <a:ext uri="{FF2B5EF4-FFF2-40B4-BE49-F238E27FC236}">
-                <a16:creationId xmlns:a16="http://schemas.microsoft.com/office/drawing/2014/main" id="{2E2C632A-9414-45C1-AAB9-E827A2AA1589}"/>
-              </a:ext>
-            </a:extLst>
-          </p:cNvPr>
-          <p:cNvPicPr>
-            <a:picLocks noChangeAspect="1"/>
-          </p:cNvPicPr>
-          <p:nvPr/>
-        </p:nvPicPr>
-        <p:blipFill>
-          <a:blip r:embed="rId4"/>
-          <a:stretch>
-            <a:fillRect/>
-          </a:stretch>
-        </p:blipFill>
-        <p:spPr>
-          <a:xfrm>
-            <a:off x="4294951" y="4360332"/>
-            <a:ext cx="4038297" cy="1867057"/>
-          </a:xfrm>
-          <a:prstGeom prst="rect">
-            <a:avLst/>
-          </a:prstGeom>
-          <a:ln>
-            <a:solidFill>
-              <a:srgbClr val="404040"/>
-            </a:solidFill>
-          </a:ln>
-        </p:spPr>
-        <p:style>
-          <a:lnRef idx="2">
-            <a:schemeClr val="dk1"/>
-          </a:lnRef>
-          <a:fillRef idx="1">
-            <a:schemeClr val="lt1"/>
-          </a:fillRef>
-          <a:effectRef idx="0">
-            <a:schemeClr val="dk1"/>
-          </a:effectRef>
-          <a:fontRef idx="minor">
-            <a:schemeClr val="dk1"/>
-          </a:fontRef>
-        </p:style>
-      </p:pic>
-      <p:sp>
-        <p:nvSpPr>
-          <p:cNvPr id="7" name="Rectangle 6">
-            <a:extLst>
-              <a:ext uri="{FF2B5EF4-FFF2-40B4-BE49-F238E27FC236}">
-                <a16:creationId xmlns:a16="http://schemas.microsoft.com/office/drawing/2014/main" id="{087544A3-FED4-4B8F-B98C-78F284513334}"/>
-              </a:ext>
-            </a:extLst>
-          </p:cNvPr>
-          <p:cNvSpPr/>
-          <p:nvPr/>
-        </p:nvSpPr>
-        <p:spPr>
-          <a:xfrm>
-            <a:off x="7071430" y="5922423"/>
-            <a:ext cx="1234370" cy="270934"/>
-          </a:xfrm>
-          <a:prstGeom prst="rect">
-            <a:avLst/>
-          </a:prstGeom>
-          <a:noFill/>
-          <a:ln>
-            <a:solidFill>
-              <a:srgbClr val="404040"/>
-            </a:solidFill>
-          </a:ln>
-        </p:spPr>
-        <p:style>
-          <a:lnRef idx="2">
-            <a:schemeClr val="dk1"/>
-          </a:lnRef>
-          <a:fillRef idx="1">
-            <a:schemeClr val="lt1"/>
-          </a:fillRef>
-          <a:effectRef idx="0">
-            <a:schemeClr val="dk1"/>
-          </a:effectRef>
-          <a:fontRef idx="minor">
-            <a:schemeClr val="dk1"/>
-          </a:fontRef>
-        </p:style>
-        <p:txBody>
-          <a:bodyPr rtlCol="0" anchor="ctr"/>
-          <a:lstStyle/>
-          <a:p>
-            <a:pPr algn="ctr"/>
-            <a:endParaRPr lang="en-US"/>
-          </a:p>
-        </p:txBody>
-      </p:sp>
-      <p:cxnSp>
-        <p:nvCxnSpPr>
-          <p:cNvPr id="12" name="Straight Arrow Connector 11">
-            <a:extLst>
-              <a:ext uri="{FF2B5EF4-FFF2-40B4-BE49-F238E27FC236}">
-                <a16:creationId xmlns:a16="http://schemas.microsoft.com/office/drawing/2014/main" id="{17B8B2CB-21AF-484E-B3F2-713BCB94D3B5}"/>
-              </a:ext>
-            </a:extLst>
-          </p:cNvPr>
-          <p:cNvCxnSpPr>
-            <a:cxnSpLocks/>
-            <a:stCxn id="7" idx="2"/>
-          </p:cNvCxnSpPr>
-          <p:nvPr/>
-        </p:nvCxnSpPr>
-        <p:spPr>
-          <a:xfrm flipH="1">
-            <a:off x="7543800" y="6193357"/>
-            <a:ext cx="144815" cy="270934"/>
-          </a:xfrm>
-          <a:prstGeom prst="straightConnector1">
-            <a:avLst/>
-          </a:prstGeom>
-          <a:ln>
-            <a:solidFill>
-              <a:srgbClr val="404040"/>
-            </a:solidFill>
-            <a:tailEnd type="triangle"/>
-          </a:ln>
-        </p:spPr>
-        <p:style>
-          <a:lnRef idx="2">
-            <a:schemeClr val="accent1"/>
-          </a:lnRef>
-          <a:fillRef idx="0">
-            <a:schemeClr val="accent1"/>
-          </a:fillRef>
-          <a:effectRef idx="1">
-            <a:schemeClr val="accent1"/>
-          </a:effectRef>
-          <a:fontRef idx="minor">
-            <a:schemeClr val="tx1"/>
-          </a:fontRef>
-        </p:style>
-      </p:cxnSp>
-    </p:spTree>
-    <p:custDataLst>
-      <p:tags r:id="rId1"/>
-    </p:custDataLst>
-    <p:extLst>
-      <p:ext uri="{BB962C8B-B14F-4D97-AF65-F5344CB8AC3E}">
-        <p14:creationId xmlns:p14="http://schemas.microsoft.com/office/powerpoint/2010/main" val="2545167847"/>
-      </p:ext>
-    </p:extLst>
-  </p:cSld>
-  <p:clrMapOvr>
-    <a:masterClrMapping/>
-  </p:clrMapOvr>
-</p:sld>
-</file>
-
-<file path=ppt/slides/slide3.xml><?xml version="1.0" encoding="utf-8"?>
-<p:sld xmlns:a="http://schemas.openxmlformats.org/drawingml/2006/main" xmlns:r="http://schemas.openxmlformats.org/officeDocument/2006/relationships" xmlns:p="http://schemas.openxmlformats.org/presentationml/2006/main">
-  <p:cSld>
-    <p:bg>
-      <p:bgPr>
-        <a:solidFill>
-          <a:schemeClr val="bg1">
-            <a:lumMod val="85000"/>
-          </a:schemeClr>
-        </a:solidFill>
-        <a:effectLst/>
-      </p:bgPr>
-    </p:bg>
-    <p:spTree>
-      <p:nvGrpSpPr>
-        <p:cNvPr id="1" name=""/>
-        <p:cNvGrpSpPr/>
-        <p:nvPr/>
-      </p:nvGrpSpPr>
-      <p:grpSpPr>
-        <a:xfrm>
-          <a:off x="0" y="0"/>
-          <a:ext cx="0" cy="0"/>
-          <a:chOff x="0" y="0"/>
-          <a:chExt cx="0" cy="0"/>
-        </a:xfrm>
-      </p:grpSpPr>
-      <p:sp>
-        <p:nvSpPr>
-          <p:cNvPr id="15" name="Rectangle 12">
-            <a:extLst>
-              <a:ext uri="{FF2B5EF4-FFF2-40B4-BE49-F238E27FC236}">
-                <a16:creationId xmlns:a16="http://schemas.microsoft.com/office/drawing/2014/main" id="{867D4867-5BA7-4462-B2F6-A23F4A622AA7}"/>
-              </a:ext>
-              <a:ext uri="{C183D7F6-B498-43B3-948B-1728B52AA6E4}">
-                <adec:decorative xmlns:adec="http://schemas.microsoft.com/office/drawing/2017/decorative" val="1"/>
-              </a:ext>
-            </a:extLst>
-          </p:cNvPr>
-          <p:cNvSpPr>
-            <a:spLocks noGrp="1" noRot="1" noChangeAspect="1" noMove="1" noResize="1" noEditPoints="1" noAdjustHandles="1" noChangeArrowheads="1" noChangeShapeType="1" noTextEdit="1"/>
-          </p:cNvSpPr>
-          <p:nvPr>
-            <p:extLst>
-              <p:ext uri="{386F3935-93C4-4BCD-93E2-E3B085C9AB24}">
-                <p16:designElem xmlns:p16="http://schemas.microsoft.com/office/powerpoint/2015/main" val="1"/>
-              </p:ext>
-            </p:extLst>
-          </p:nvPr>
-        </p:nvSpPr>
-        <p:spPr>
-          <a:xfrm>
-            <a:off x="0" y="0"/>
-            <a:ext cx="3490722" cy="6858000"/>
-          </a:xfrm>
-          <a:prstGeom prst="rect">
-            <a:avLst/>
-          </a:prstGeom>
-          <a:solidFill>
-            <a:schemeClr val="tx1">
-              <a:lumMod val="75000"/>
-              <a:lumOff val="25000"/>
-            </a:schemeClr>
-          </a:solidFill>
-          <a:ln>
-            <a:noFill/>
-          </a:ln>
-        </p:spPr>
-        <p:style>
-          <a:lnRef idx="0">
-            <a:scrgbClr r="0" g="0" b="0"/>
-          </a:lnRef>
-          <a:fillRef idx="0">
-            <a:scrgbClr r="0" g="0" b="0"/>
-          </a:fillRef>
-          <a:effectRef idx="0">
-            <a:scrgbClr r="0" g="0" b="0"/>
-          </a:effectRef>
-          <a:fontRef idx="minor">
-            <a:schemeClr val="lt1"/>
-          </a:fontRef>
-        </p:style>
-        <p:txBody>
-          <a:bodyPr rtlCol="0" anchor="ctr"/>
-          <a:lstStyle/>
-          <a:p>
-            <a:pPr marL="0" marR="0" lvl="0" indent="0" algn="ctr" defTabSz="457200" rtl="0" eaLnBrk="1" fontAlgn="base" latinLnBrk="0" hangingPunct="1">
-              <a:lnSpc>
-                <a:spcPct val="100000"/>
-              </a:lnSpc>
-              <a:spcBef>
-                <a:spcPct val="0"/>
-              </a:spcBef>
-              <a:spcAft>
-                <a:spcPct val="0"/>
-              </a:spcAft>
-              <a:buClrTx/>
-              <a:buSzTx/>
-              <a:buFontTx/>
-              <a:buNone/>
-              <a:tabLst/>
-              <a:defRPr/>
-            </a:pPr>
-            <a:endParaRPr kumimoji="0" lang="en-US" sz="2400" b="0" i="0" u="none" strike="noStrike" kern="1200" cap="none" spc="0" normalizeH="0" baseline="0" noProof="0">
-              <a:ln>
-                <a:noFill/>
-              </a:ln>
-              <a:solidFill>
-                <a:prstClr val="white"/>
-              </a:solidFill>
-              <a:effectLst/>
-              <a:uLnTx/>
-              <a:uFillTx/>
-              <a:latin typeface="Calibri"/>
-              <a:ea typeface="+mn-ea"/>
-              <a:cs typeface="+mn-cs"/>
-            </a:endParaRPr>
-          </a:p>
-        </p:txBody>
-      </p:sp>
-      <p:sp>
-        <p:nvSpPr>
-          <p:cNvPr id="2" name="Title 1"/>
-          <p:cNvSpPr>
-            <a:spLocks noGrp="1"/>
-          </p:cNvSpPr>
-          <p:nvPr>
-            <p:ph type="title"/>
-          </p:nvPr>
-        </p:nvSpPr>
-        <p:spPr>
-          <a:xfrm>
-            <a:off x="482600" y="643467"/>
-            <a:ext cx="2522980" cy="1597315"/>
-          </a:xfrm>
-          <a:noFill/>
-          <a:ln w="19050">
-            <a:solidFill>
-              <a:schemeClr val="bg1"/>
-            </a:solidFill>
-          </a:ln>
-        </p:spPr>
-        <p:txBody>
-          <a:bodyPr vert="horz" wrap="square" lIns="91440" tIns="45720" rIns="91440" bIns="45720" rtlCol="0" anchor="ctr">
-            <a:normAutofit/>
-          </a:bodyPr>
-          <a:lstStyle/>
-          <a:p>
-            <a:pPr defTabSz="914400" eaLnBrk="1" hangingPunct="1">
-              <a:lnSpc>
-                <a:spcPct val="90000"/>
-              </a:lnSpc>
-            </a:pPr>
-            <a:r>
-              <a:rPr lang="en-US" sz="2400" dirty="0">
-                <a:solidFill>
-                  <a:schemeClr val="bg1"/>
-                </a:solidFill>
-                <a:ea typeface="+mj-ea"/>
-                <a:cs typeface="+mj-cs"/>
-              </a:rPr>
-              <a:t>Introduction</a:t>
-            </a:r>
-            <a:endParaRPr lang="en-US" sz="2400" kern="1200" dirty="0">
-              <a:solidFill>
-                <a:schemeClr val="bg1"/>
-              </a:solidFill>
-              <a:latin typeface="+mj-lt"/>
-              <a:ea typeface="+mj-ea"/>
-              <a:cs typeface="+mj-cs"/>
-            </a:endParaRPr>
-          </a:p>
-        </p:txBody>
-      </p:sp>
-      <p:pic>
-        <p:nvPicPr>
-          <p:cNvPr id="8" name="Picture 7">
-            <a:extLst>
-              <a:ext uri="{FF2B5EF4-FFF2-40B4-BE49-F238E27FC236}">
-                <a16:creationId xmlns:a16="http://schemas.microsoft.com/office/drawing/2014/main" id="{521D4292-9ECC-4DA5-8CC0-C561A0DA118E}"/>
-              </a:ext>
-            </a:extLst>
-          </p:cNvPr>
-          <p:cNvPicPr>
-            <a:picLocks noChangeAspect="1"/>
-          </p:cNvPicPr>
-          <p:nvPr/>
-        </p:nvPicPr>
-        <p:blipFill rotWithShape="1">
-          <a:blip r:embed="rId3"/>
-          <a:srcRect l="8000" r="9400"/>
-          <a:stretch/>
-        </p:blipFill>
-        <p:spPr>
-          <a:xfrm>
-            <a:off x="660103" y="3048000"/>
-            <a:ext cx="2167974" cy="2624666"/>
-          </a:xfrm>
-          <a:prstGeom prst="rect">
-            <a:avLst/>
-          </a:prstGeom>
-          <a:noFill/>
-        </p:spPr>
-      </p:pic>
-      <p:sp>
-        <p:nvSpPr>
-          <p:cNvPr id="3" name="TextBox 2">
-            <a:extLst>
-              <a:ext uri="{FF2B5EF4-FFF2-40B4-BE49-F238E27FC236}">
-                <a16:creationId xmlns:a16="http://schemas.microsoft.com/office/drawing/2014/main" id="{67AD3B8A-8FD9-4550-98FB-579F22250127}"/>
-              </a:ext>
-            </a:extLst>
-          </p:cNvPr>
-          <p:cNvSpPr txBox="1"/>
-          <p:nvPr/>
-        </p:nvSpPr>
-        <p:spPr>
-          <a:xfrm>
-            <a:off x="3886200" y="914400"/>
-            <a:ext cx="5105400" cy="3293209"/>
-          </a:xfrm>
-          <a:prstGeom prst="rect">
-            <a:avLst/>
-          </a:prstGeom>
-          <a:noFill/>
-        </p:spPr>
-        <p:txBody>
-          <a:bodyPr wrap="square" rtlCol="0">
-            <a:spAutoFit/>
-          </a:bodyPr>
-          <a:lstStyle/>
-          <a:p>
-            <a:pPr algn="ctr"/>
-            <a:r>
-              <a:rPr lang="en-US" sz="9600" dirty="0">
-                <a:solidFill>
-                  <a:srgbClr val="404040"/>
-                </a:solidFill>
-              </a:rPr>
-              <a:t>My Data </a:t>
-            </a:r>
-            <a:r>
-              <a:rPr lang="en-US" sz="4000" dirty="0">
-                <a:solidFill>
-                  <a:srgbClr val="404040"/>
-                </a:solidFill>
-              </a:rPr>
-              <a:t>is Bigger than </a:t>
-            </a:r>
-            <a:r>
-              <a:rPr lang="en-US" sz="7200" dirty="0">
-                <a:solidFill>
-                  <a:srgbClr val="404040"/>
-                </a:solidFill>
-              </a:rPr>
-              <a:t>Your Data</a:t>
-            </a:r>
-          </a:p>
-        </p:txBody>
-      </p:sp>
-    </p:spTree>
-    <p:custDataLst>
-      <p:tags r:id="rId1"/>
-    </p:custDataLst>
-    <p:extLst>
-      <p:ext uri="{BB962C8B-B14F-4D97-AF65-F5344CB8AC3E}">
-        <p14:creationId xmlns:p14="http://schemas.microsoft.com/office/powerpoint/2010/main" val="339432760"/>
-      </p:ext>
-    </p:extLst>
-  </p:cSld>
-  <p:clrMapOvr>
-    <a:masterClrMapping/>
-  </p:clrMapOvr>
-</p:sld>
-</file>
-
-<file path=ppt/slides/slide30.xml><?xml version="1.0" encoding="utf-8"?>
-<p:sld xmlns:a="http://schemas.openxmlformats.org/drawingml/2006/main" xmlns:r="http://schemas.openxmlformats.org/officeDocument/2006/relationships" xmlns:p="http://schemas.openxmlformats.org/presentationml/2006/main">
-  <p:cSld>
-    <p:bg>
-      <p:bgPr>
-        <a:solidFill>
-          <a:schemeClr val="bg1">
-            <a:lumMod val="85000"/>
-          </a:schemeClr>
-        </a:solidFill>
-        <a:effectLst/>
-      </p:bgPr>
-    </p:bg>
-    <p:spTree>
-      <p:nvGrpSpPr>
-        <p:cNvPr id="1" name=""/>
-        <p:cNvGrpSpPr/>
-        <p:nvPr/>
-      </p:nvGrpSpPr>
-      <p:grpSpPr>
-        <a:xfrm>
-          <a:off x="0" y="0"/>
-          <a:ext cx="0" cy="0"/>
-          <a:chOff x="0" y="0"/>
-          <a:chExt cx="0" cy="0"/>
-        </a:xfrm>
-      </p:grpSpPr>
-      <p:sp>
-        <p:nvSpPr>
-          <p:cNvPr id="6" name="TextBox 5">
-            <a:extLst>
-              <a:ext uri="{FF2B5EF4-FFF2-40B4-BE49-F238E27FC236}">
-                <a16:creationId xmlns:a16="http://schemas.microsoft.com/office/drawing/2014/main" id="{16EA8ACD-ADC6-4FBA-8160-DA5647025936}"/>
-              </a:ext>
-            </a:extLst>
-          </p:cNvPr>
-          <p:cNvSpPr txBox="1"/>
-          <p:nvPr/>
-        </p:nvSpPr>
-        <p:spPr>
-          <a:xfrm>
-            <a:off x="3733800" y="643467"/>
-            <a:ext cx="5334000" cy="5262979"/>
-          </a:xfrm>
-          <a:prstGeom prst="rect">
-            <a:avLst/>
-          </a:prstGeom>
-          <a:noFill/>
-        </p:spPr>
-        <p:txBody>
-          <a:bodyPr wrap="square" rtlCol="0">
-            <a:spAutoFit/>
-          </a:bodyPr>
-          <a:lstStyle/>
-          <a:p>
-            <a:pPr marL="342900" indent="-342900">
-              <a:buFont typeface="Arial" panose="020B0604020202020204" pitchFamily="34" charset="0"/>
-              <a:buChar char="•"/>
-              <a:defRPr/>
-            </a:pPr>
-            <a:r>
-              <a:rPr lang="en-US" dirty="0">
-                <a:solidFill>
-                  <a:srgbClr val="404040"/>
-                </a:solidFill>
-              </a:rPr>
-              <a:t>Chunk 2 (Continued)</a:t>
-            </a:r>
-          </a:p>
-          <a:p>
-            <a:pPr marL="800100" lvl="1" indent="-342900">
-              <a:buFont typeface="Arial" panose="020B0604020202020204" pitchFamily="34" charset="0"/>
-              <a:buChar char="•"/>
-              <a:defRPr/>
-            </a:pPr>
-            <a:r>
-              <a:rPr lang="en-US" dirty="0">
-                <a:solidFill>
-                  <a:srgbClr val="404040"/>
-                </a:solidFill>
-              </a:rPr>
-              <a:t>Understanding </a:t>
-            </a:r>
-            <a:r>
-              <a:rPr lang="en-US" dirty="0" err="1">
-                <a:solidFill>
-                  <a:srgbClr val="404040"/>
-                </a:solidFill>
-              </a:rPr>
-              <a:t>cv.glmnet</a:t>
-            </a:r>
-            <a:r>
-              <a:rPr lang="en-US" dirty="0">
-                <a:solidFill>
-                  <a:srgbClr val="404040"/>
-                </a:solidFill>
-              </a:rPr>
-              <a:t> Object</a:t>
-            </a:r>
-          </a:p>
-          <a:p>
-            <a:pPr marL="1257300" lvl="2" indent="-342900">
-              <a:buFont typeface="Arial" panose="020B0604020202020204" pitchFamily="34" charset="0"/>
-              <a:buChar char="•"/>
-              <a:defRPr/>
-            </a:pPr>
-            <a:r>
-              <a:rPr lang="en-US" dirty="0">
-                <a:solidFill>
-                  <a:srgbClr val="404040"/>
-                </a:solidFill>
-              </a:rPr>
-              <a:t>$lambda = Contains Vector of Lambda Auto-Generated</a:t>
-            </a:r>
-          </a:p>
-          <a:p>
-            <a:pPr marL="1257300" lvl="2" indent="-342900">
-              <a:buFont typeface="Arial" panose="020B0604020202020204" pitchFamily="34" charset="0"/>
-              <a:buChar char="•"/>
-              <a:defRPr/>
-            </a:pPr>
-            <a:r>
-              <a:rPr lang="en-US" dirty="0">
-                <a:solidFill>
-                  <a:srgbClr val="404040"/>
-                </a:solidFill>
-              </a:rPr>
-              <a:t>$</a:t>
-            </a:r>
-            <a:r>
-              <a:rPr lang="en-US" dirty="0" err="1">
-                <a:solidFill>
-                  <a:srgbClr val="404040"/>
-                </a:solidFill>
-              </a:rPr>
-              <a:t>cvm</a:t>
-            </a:r>
-            <a:r>
-              <a:rPr lang="en-US" dirty="0">
-                <a:solidFill>
-                  <a:srgbClr val="404040"/>
-                </a:solidFill>
-              </a:rPr>
-              <a:t> = Cross Validated Estimate of Error for Each Lambda in $lambda</a:t>
-            </a:r>
-          </a:p>
-          <a:p>
-            <a:pPr marL="1257300" lvl="2" indent="-342900">
-              <a:buFont typeface="Arial" panose="020B0604020202020204" pitchFamily="34" charset="0"/>
-              <a:buChar char="•"/>
-              <a:defRPr/>
-            </a:pPr>
-            <a:r>
-              <a:rPr lang="en-US" dirty="0">
-                <a:solidFill>
-                  <a:srgbClr val="404040"/>
-                </a:solidFill>
-              </a:rPr>
-              <a:t>$</a:t>
-            </a:r>
-            <a:r>
-              <a:rPr lang="en-US" dirty="0" err="1">
-                <a:solidFill>
-                  <a:srgbClr val="404040"/>
-                </a:solidFill>
-              </a:rPr>
-              <a:t>lambda.min</a:t>
-            </a:r>
-            <a:r>
-              <a:rPr lang="en-US" dirty="0">
-                <a:solidFill>
-                  <a:srgbClr val="404040"/>
-                </a:solidFill>
-              </a:rPr>
-              <a:t> = The Lambda that Leads to Smallest CV Measure of Error</a:t>
-            </a:r>
-          </a:p>
-          <a:p>
-            <a:pPr marL="1257300" lvl="2" indent="-342900">
-              <a:buFont typeface="Arial" panose="020B0604020202020204" pitchFamily="34" charset="0"/>
-              <a:buChar char="•"/>
-              <a:defRPr/>
-            </a:pPr>
-            <a:r>
-              <a:rPr lang="en-US" dirty="0">
-                <a:solidFill>
-                  <a:srgbClr val="404040"/>
-                </a:solidFill>
-              </a:rPr>
-              <a:t>$lambda.1se = The Largest Value of Lambda Such That Error is Within 1 SD of the Error Using $</a:t>
-            </a:r>
-            <a:r>
-              <a:rPr lang="en-US" dirty="0" err="1">
-                <a:solidFill>
-                  <a:srgbClr val="404040"/>
-                </a:solidFill>
-              </a:rPr>
-              <a:t>lambda.min</a:t>
-            </a:r>
-            <a:endParaRPr lang="en-US" dirty="0">
-              <a:solidFill>
-                <a:srgbClr val="404040"/>
-              </a:solidFill>
-            </a:endParaRPr>
-          </a:p>
-        </p:txBody>
-      </p:sp>
-      <p:sp>
-        <p:nvSpPr>
-          <p:cNvPr id="15" name="Rectangle 12">
-            <a:extLst>
-              <a:ext uri="{FF2B5EF4-FFF2-40B4-BE49-F238E27FC236}">
-                <a16:creationId xmlns:a16="http://schemas.microsoft.com/office/drawing/2014/main" id="{867D4867-5BA7-4462-B2F6-A23F4A622AA7}"/>
-              </a:ext>
-              <a:ext uri="{C183D7F6-B498-43B3-948B-1728B52AA6E4}">
-                <adec:decorative xmlns:adec="http://schemas.microsoft.com/office/drawing/2017/decorative" val="1"/>
-              </a:ext>
-            </a:extLst>
-          </p:cNvPr>
-          <p:cNvSpPr>
-            <a:spLocks noGrp="1" noRot="1" noChangeAspect="1" noMove="1" noResize="1" noEditPoints="1" noAdjustHandles="1" noChangeArrowheads="1" noChangeShapeType="1" noTextEdit="1"/>
-          </p:cNvSpPr>
-          <p:nvPr>
-            <p:extLst>
-              <p:ext uri="{386F3935-93C4-4BCD-93E2-E3B085C9AB24}">
-                <p16:designElem xmlns:p16="http://schemas.microsoft.com/office/powerpoint/2015/main" val="1"/>
-              </p:ext>
-            </p:extLst>
-          </p:nvPr>
-        </p:nvSpPr>
-        <p:spPr>
-          <a:xfrm>
-            <a:off x="0" y="0"/>
-            <a:ext cx="3490722" cy="6858000"/>
-          </a:xfrm>
-          <a:prstGeom prst="rect">
-            <a:avLst/>
-          </a:prstGeom>
-          <a:solidFill>
-            <a:schemeClr val="tx1">
-              <a:lumMod val="75000"/>
-              <a:lumOff val="25000"/>
-            </a:schemeClr>
-          </a:solidFill>
-          <a:ln>
-            <a:noFill/>
-          </a:ln>
-        </p:spPr>
-        <p:style>
-          <a:lnRef idx="0">
-            <a:scrgbClr r="0" g="0" b="0"/>
-          </a:lnRef>
-          <a:fillRef idx="0">
-            <a:scrgbClr r="0" g="0" b="0"/>
-          </a:fillRef>
-          <a:effectRef idx="0">
-            <a:scrgbClr r="0" g="0" b="0"/>
-          </a:effectRef>
-          <a:fontRef idx="minor">
-            <a:schemeClr val="lt1"/>
-          </a:fontRef>
-        </p:style>
-        <p:txBody>
-          <a:bodyPr rtlCol="0" anchor="ctr"/>
-          <a:lstStyle/>
-          <a:p>
-            <a:pPr marL="0" marR="0" lvl="0" indent="0" algn="ctr" defTabSz="457200" rtl="0" eaLnBrk="1" fontAlgn="base" latinLnBrk="0" hangingPunct="1">
-              <a:lnSpc>
-                <a:spcPct val="100000"/>
-              </a:lnSpc>
-              <a:spcBef>
-                <a:spcPct val="0"/>
-              </a:spcBef>
-              <a:spcAft>
-                <a:spcPct val="0"/>
-              </a:spcAft>
-              <a:buClrTx/>
-              <a:buSzTx/>
-              <a:buFontTx/>
-              <a:buNone/>
-              <a:tabLst/>
-              <a:defRPr/>
-            </a:pPr>
-            <a:endParaRPr kumimoji="0" lang="en-US" sz="2400" b="0" i="0" u="none" strike="noStrike" kern="1200" cap="none" spc="0" normalizeH="0" baseline="0" noProof="0">
-              <a:ln>
-                <a:noFill/>
-              </a:ln>
-              <a:solidFill>
-                <a:prstClr val="white"/>
-              </a:solidFill>
-              <a:effectLst/>
-              <a:uLnTx/>
-              <a:uFillTx/>
-              <a:latin typeface="Calibri"/>
-              <a:ea typeface="+mn-ea"/>
-              <a:cs typeface="+mn-cs"/>
-            </a:endParaRPr>
-          </a:p>
-        </p:txBody>
-      </p:sp>
-      <p:sp>
-        <p:nvSpPr>
-          <p:cNvPr id="2" name="Title 1"/>
-          <p:cNvSpPr>
-            <a:spLocks noGrp="1"/>
-          </p:cNvSpPr>
-          <p:nvPr>
-            <p:ph type="title"/>
-          </p:nvPr>
-        </p:nvSpPr>
-        <p:spPr>
-          <a:xfrm>
-            <a:off x="482600" y="643467"/>
-            <a:ext cx="2522980" cy="1597315"/>
-          </a:xfrm>
-          <a:noFill/>
-          <a:ln w="19050">
-            <a:solidFill>
-              <a:schemeClr val="bg1"/>
-            </a:solidFill>
-          </a:ln>
-        </p:spPr>
-        <p:txBody>
-          <a:bodyPr vert="horz" wrap="square" lIns="91440" tIns="45720" rIns="91440" bIns="45720" rtlCol="0" anchor="ctr">
-            <a:normAutofit/>
-          </a:bodyPr>
-          <a:lstStyle/>
-          <a:p>
-            <a:pPr defTabSz="914400" eaLnBrk="1" hangingPunct="1">
-              <a:lnSpc>
-                <a:spcPct val="90000"/>
-              </a:lnSpc>
-            </a:pPr>
-            <a:r>
-              <a:rPr lang="en-US" sz="2400" dirty="0">
-                <a:solidFill>
-                  <a:schemeClr val="bg1"/>
-                </a:solidFill>
-                <a:ea typeface="+mj-ea"/>
-                <a:cs typeface="+mj-cs"/>
-              </a:rPr>
-              <a:t>Part 3: Less Meditation and More Application</a:t>
-            </a:r>
-            <a:endParaRPr lang="en-US" sz="2400" kern="1200" dirty="0">
-              <a:solidFill>
-                <a:schemeClr val="bg1"/>
-              </a:solidFill>
-              <a:latin typeface="+mj-lt"/>
-              <a:ea typeface="+mj-ea"/>
-              <a:cs typeface="+mj-cs"/>
-            </a:endParaRPr>
-          </a:p>
-        </p:txBody>
-      </p:sp>
-      <p:pic>
-        <p:nvPicPr>
-          <p:cNvPr id="8" name="Picture 7">
-            <a:extLst>
-              <a:ext uri="{FF2B5EF4-FFF2-40B4-BE49-F238E27FC236}">
-                <a16:creationId xmlns:a16="http://schemas.microsoft.com/office/drawing/2014/main" id="{521D4292-9ECC-4DA5-8CC0-C561A0DA118E}"/>
-              </a:ext>
-            </a:extLst>
-          </p:cNvPr>
-          <p:cNvPicPr>
-            <a:picLocks noChangeAspect="1"/>
-          </p:cNvPicPr>
-          <p:nvPr/>
-        </p:nvPicPr>
-        <p:blipFill rotWithShape="1">
-          <a:blip r:embed="rId3"/>
-          <a:srcRect l="8000" r="9400"/>
-          <a:stretch/>
-        </p:blipFill>
-        <p:spPr>
-          <a:xfrm>
-            <a:off x="660103" y="3048000"/>
-            <a:ext cx="2167974" cy="2624666"/>
-          </a:xfrm>
-          <a:prstGeom prst="rect">
-            <a:avLst/>
-          </a:prstGeom>
-          <a:noFill/>
-        </p:spPr>
-      </p:pic>
-    </p:spTree>
-    <p:custDataLst>
-      <p:tags r:id="rId1"/>
-    </p:custDataLst>
-    <p:extLst>
-      <p:ext uri="{BB962C8B-B14F-4D97-AF65-F5344CB8AC3E}">
-        <p14:creationId xmlns:p14="http://schemas.microsoft.com/office/powerpoint/2010/main" val="209693526"/>
-      </p:ext>
-    </p:extLst>
-  </p:cSld>
-  <p:clrMapOvr>
-    <a:masterClrMapping/>
-  </p:clrMapOvr>
-</p:sld>
-</file>
-
-<file path=ppt/slides/slide31.xml><?xml version="1.0" encoding="utf-8"?>
-<p:sld xmlns:a="http://schemas.openxmlformats.org/drawingml/2006/main" xmlns:r="http://schemas.openxmlformats.org/officeDocument/2006/relationships" xmlns:p="http://schemas.openxmlformats.org/presentationml/2006/main">
-  <p:cSld>
-    <p:bg>
-      <p:bgPr>
-        <a:solidFill>
-          <a:schemeClr val="bg1">
-            <a:lumMod val="85000"/>
-          </a:schemeClr>
-        </a:solidFill>
-        <a:effectLst/>
-      </p:bgPr>
-    </p:bg>
-    <p:spTree>
-      <p:nvGrpSpPr>
-        <p:cNvPr id="1" name=""/>
-        <p:cNvGrpSpPr/>
-        <p:nvPr/>
-      </p:nvGrpSpPr>
-      <p:grpSpPr>
-        <a:xfrm>
-          <a:off x="0" y="0"/>
-          <a:ext cx="0" cy="0"/>
-          <a:chOff x="0" y="0"/>
-          <a:chExt cx="0" cy="0"/>
-        </a:xfrm>
-      </p:grpSpPr>
-      <p:sp>
-        <p:nvSpPr>
-          <p:cNvPr id="6" name="TextBox 5">
-            <a:extLst>
-              <a:ext uri="{FF2B5EF4-FFF2-40B4-BE49-F238E27FC236}">
-                <a16:creationId xmlns:a16="http://schemas.microsoft.com/office/drawing/2014/main" id="{16EA8ACD-ADC6-4FBA-8160-DA5647025936}"/>
-              </a:ext>
-            </a:extLst>
-          </p:cNvPr>
-          <p:cNvSpPr txBox="1"/>
-          <p:nvPr/>
-        </p:nvSpPr>
-        <p:spPr>
-          <a:xfrm>
-            <a:off x="3733800" y="643467"/>
-            <a:ext cx="5334000" cy="4154984"/>
-          </a:xfrm>
-          <a:prstGeom prst="rect">
-            <a:avLst/>
-          </a:prstGeom>
-          <a:noFill/>
-        </p:spPr>
-        <p:txBody>
-          <a:bodyPr wrap="square" rtlCol="0">
-            <a:spAutoFit/>
-          </a:bodyPr>
-          <a:lstStyle/>
-          <a:p>
-            <a:pPr marL="342900" indent="-342900">
-              <a:buFont typeface="Arial" panose="020B0604020202020204" pitchFamily="34" charset="0"/>
-              <a:buChar char="•"/>
-              <a:defRPr/>
-            </a:pPr>
-            <a:r>
-              <a:rPr lang="en-US" dirty="0">
-                <a:solidFill>
-                  <a:srgbClr val="404040"/>
-                </a:solidFill>
-              </a:rPr>
-              <a:t>Run Chunk 3</a:t>
-            </a:r>
-          </a:p>
-          <a:p>
-            <a:pPr marL="800100" lvl="1" indent="-342900">
-              <a:buFont typeface="Arial" panose="020B0604020202020204" pitchFamily="34" charset="0"/>
-              <a:buChar char="•"/>
-              <a:defRPr/>
-            </a:pPr>
-            <a:r>
-              <a:rPr lang="en-US" dirty="0">
-                <a:solidFill>
-                  <a:srgbClr val="404040"/>
-                </a:solidFill>
-              </a:rPr>
-              <a:t>Next</a:t>
-            </a:r>
-          </a:p>
-          <a:p>
-            <a:pPr marL="1257300" lvl="2" indent="-342900">
-              <a:buFont typeface="Arial" panose="020B0604020202020204" pitchFamily="34" charset="0"/>
-              <a:buChar char="•"/>
-              <a:defRPr/>
-            </a:pPr>
-            <a:r>
-              <a:rPr lang="en-US" dirty="0">
-                <a:solidFill>
-                  <a:srgbClr val="404040"/>
-                </a:solidFill>
-              </a:rPr>
-              <a:t>Use Best Alpha and Lambda</a:t>
-            </a:r>
-          </a:p>
-          <a:p>
-            <a:pPr marL="1257300" lvl="2" indent="-342900">
-              <a:buFont typeface="Arial" panose="020B0604020202020204" pitchFamily="34" charset="0"/>
-              <a:buChar char="•"/>
-              <a:defRPr/>
-            </a:pPr>
-            <a:r>
-              <a:rPr lang="en-US" dirty="0">
-                <a:solidFill>
-                  <a:srgbClr val="404040"/>
-                </a:solidFill>
-              </a:rPr>
-              <a:t>Observe the Non-Zero Coefficients</a:t>
-            </a:r>
-          </a:p>
-          <a:p>
-            <a:pPr marL="1257300" lvl="2" indent="-342900">
-              <a:buFont typeface="Arial" panose="020B0604020202020204" pitchFamily="34" charset="0"/>
-              <a:buChar char="•"/>
-              <a:defRPr/>
-            </a:pPr>
-            <a:r>
-              <a:rPr lang="en-US" dirty="0">
-                <a:solidFill>
-                  <a:srgbClr val="404040"/>
-                </a:solidFill>
-              </a:rPr>
-              <a:t>Plot Predictions and Errors</a:t>
-            </a:r>
-          </a:p>
-          <a:p>
-            <a:pPr marL="800100" lvl="1" indent="-342900">
-              <a:buFont typeface="Arial" panose="020B0604020202020204" pitchFamily="34" charset="0"/>
-              <a:buChar char="•"/>
-              <a:defRPr/>
-            </a:pPr>
-            <a:endParaRPr lang="en-US" dirty="0">
-              <a:solidFill>
-                <a:srgbClr val="404040"/>
-              </a:solidFill>
-            </a:endParaRPr>
-          </a:p>
-          <a:p>
-            <a:pPr marL="800100" lvl="1" indent="-342900">
-              <a:buFont typeface="Arial" panose="020B0604020202020204" pitchFamily="34" charset="0"/>
-              <a:buChar char="•"/>
-              <a:defRPr/>
-            </a:pPr>
-            <a:r>
-              <a:rPr lang="en-US" dirty="0">
-                <a:solidFill>
-                  <a:srgbClr val="404040"/>
-                </a:solidFill>
-              </a:rPr>
-              <a:t>Table of Non-Zero</a:t>
-            </a:r>
-          </a:p>
-          <a:p>
-            <a:pPr lvl="1">
-              <a:defRPr/>
-            </a:pPr>
-            <a:r>
-              <a:rPr lang="en-US" dirty="0">
-                <a:solidFill>
-                  <a:srgbClr val="404040"/>
-                </a:solidFill>
-              </a:rPr>
-              <a:t>    Coefficients</a:t>
-            </a:r>
-          </a:p>
-          <a:p>
-            <a:pPr marL="1257300" lvl="2" indent="-342900">
-              <a:buFont typeface="Arial" panose="020B0604020202020204" pitchFamily="34" charset="0"/>
-              <a:buChar char="•"/>
-              <a:defRPr/>
-            </a:pPr>
-            <a:r>
-              <a:rPr lang="en-US" dirty="0">
-                <a:solidFill>
-                  <a:srgbClr val="404040"/>
-                </a:solidFill>
-              </a:rPr>
-              <a:t>Before p=115</a:t>
-            </a:r>
-          </a:p>
-          <a:p>
-            <a:pPr marL="1257300" lvl="2" indent="-342900">
-              <a:buFont typeface="Arial" panose="020B0604020202020204" pitchFamily="34" charset="0"/>
-              <a:buChar char="•"/>
-              <a:defRPr/>
-            </a:pPr>
-            <a:r>
-              <a:rPr lang="en-US" dirty="0">
-                <a:solidFill>
-                  <a:srgbClr val="404040"/>
-                </a:solidFill>
-              </a:rPr>
-              <a:t>Now p=28</a:t>
-            </a:r>
-          </a:p>
-        </p:txBody>
-      </p:sp>
-      <p:sp>
-        <p:nvSpPr>
-          <p:cNvPr id="15" name="Rectangle 12">
-            <a:extLst>
-              <a:ext uri="{FF2B5EF4-FFF2-40B4-BE49-F238E27FC236}">
-                <a16:creationId xmlns:a16="http://schemas.microsoft.com/office/drawing/2014/main" id="{867D4867-5BA7-4462-B2F6-A23F4A622AA7}"/>
-              </a:ext>
-              <a:ext uri="{C183D7F6-B498-43B3-948B-1728B52AA6E4}">
-                <adec:decorative xmlns:adec="http://schemas.microsoft.com/office/drawing/2017/decorative" val="1"/>
-              </a:ext>
-            </a:extLst>
-          </p:cNvPr>
-          <p:cNvSpPr>
-            <a:spLocks noGrp="1" noRot="1" noChangeAspect="1" noMove="1" noResize="1" noEditPoints="1" noAdjustHandles="1" noChangeArrowheads="1" noChangeShapeType="1" noTextEdit="1"/>
-          </p:cNvSpPr>
-          <p:nvPr>
-            <p:extLst>
-              <p:ext uri="{386F3935-93C4-4BCD-93E2-E3B085C9AB24}">
-                <p16:designElem xmlns:p16="http://schemas.microsoft.com/office/powerpoint/2015/main" val="1"/>
-              </p:ext>
-            </p:extLst>
-          </p:nvPr>
-        </p:nvSpPr>
-        <p:spPr>
-          <a:xfrm>
-            <a:off x="0" y="0"/>
-            <a:ext cx="3490722" cy="6858000"/>
-          </a:xfrm>
-          <a:prstGeom prst="rect">
-            <a:avLst/>
-          </a:prstGeom>
-          <a:solidFill>
-            <a:schemeClr val="tx1">
-              <a:lumMod val="75000"/>
-              <a:lumOff val="25000"/>
-            </a:schemeClr>
-          </a:solidFill>
-          <a:ln>
-            <a:noFill/>
-          </a:ln>
-        </p:spPr>
-        <p:style>
-          <a:lnRef idx="0">
-            <a:scrgbClr r="0" g="0" b="0"/>
-          </a:lnRef>
-          <a:fillRef idx="0">
-            <a:scrgbClr r="0" g="0" b="0"/>
-          </a:fillRef>
-          <a:effectRef idx="0">
-            <a:scrgbClr r="0" g="0" b="0"/>
-          </a:effectRef>
-          <a:fontRef idx="minor">
-            <a:schemeClr val="lt1"/>
-          </a:fontRef>
-        </p:style>
-        <p:txBody>
-          <a:bodyPr rtlCol="0" anchor="ctr"/>
-          <a:lstStyle/>
-          <a:p>
-            <a:pPr marL="0" marR="0" lvl="0" indent="0" algn="ctr" defTabSz="457200" rtl="0" eaLnBrk="1" fontAlgn="base" latinLnBrk="0" hangingPunct="1">
-              <a:lnSpc>
-                <a:spcPct val="100000"/>
-              </a:lnSpc>
-              <a:spcBef>
-                <a:spcPct val="0"/>
-              </a:spcBef>
-              <a:spcAft>
-                <a:spcPct val="0"/>
-              </a:spcAft>
-              <a:buClrTx/>
-              <a:buSzTx/>
-              <a:buFontTx/>
-              <a:buNone/>
-              <a:tabLst/>
-              <a:defRPr/>
-            </a:pPr>
-            <a:endParaRPr kumimoji="0" lang="en-US" sz="2400" b="0" i="0" u="none" strike="noStrike" kern="1200" cap="none" spc="0" normalizeH="0" baseline="0" noProof="0">
-              <a:ln>
-                <a:noFill/>
-              </a:ln>
-              <a:solidFill>
-                <a:prstClr val="white"/>
-              </a:solidFill>
-              <a:effectLst/>
-              <a:uLnTx/>
-              <a:uFillTx/>
-              <a:latin typeface="Calibri"/>
-              <a:ea typeface="+mn-ea"/>
-              <a:cs typeface="+mn-cs"/>
-            </a:endParaRPr>
-          </a:p>
-        </p:txBody>
-      </p:sp>
-      <p:sp>
-        <p:nvSpPr>
-          <p:cNvPr id="2" name="Title 1"/>
-          <p:cNvSpPr>
-            <a:spLocks noGrp="1"/>
-          </p:cNvSpPr>
-          <p:nvPr>
-            <p:ph type="title"/>
-          </p:nvPr>
-        </p:nvSpPr>
-        <p:spPr>
-          <a:xfrm>
-            <a:off x="482600" y="643467"/>
-            <a:ext cx="2522980" cy="1597315"/>
-          </a:xfrm>
-          <a:noFill/>
-          <a:ln w="19050">
-            <a:solidFill>
-              <a:schemeClr val="bg1"/>
-            </a:solidFill>
-          </a:ln>
-        </p:spPr>
-        <p:txBody>
-          <a:bodyPr vert="horz" wrap="square" lIns="91440" tIns="45720" rIns="91440" bIns="45720" rtlCol="0" anchor="ctr">
-            <a:normAutofit/>
-          </a:bodyPr>
-          <a:lstStyle/>
-          <a:p>
-            <a:pPr defTabSz="914400" eaLnBrk="1" hangingPunct="1">
-              <a:lnSpc>
-                <a:spcPct val="90000"/>
-              </a:lnSpc>
-            </a:pPr>
-            <a:r>
-              <a:rPr lang="en-US" sz="2400" dirty="0">
-                <a:solidFill>
-                  <a:schemeClr val="bg1"/>
-                </a:solidFill>
-                <a:ea typeface="+mj-ea"/>
-                <a:cs typeface="+mj-cs"/>
-              </a:rPr>
-              <a:t>Part 3: Less Meditation and More Application</a:t>
-            </a:r>
-            <a:endParaRPr lang="en-US" sz="2400" kern="1200" dirty="0">
-              <a:solidFill>
-                <a:schemeClr val="bg1"/>
-              </a:solidFill>
-              <a:latin typeface="+mj-lt"/>
-              <a:ea typeface="+mj-ea"/>
-              <a:cs typeface="+mj-cs"/>
-            </a:endParaRPr>
-          </a:p>
-        </p:txBody>
-      </p:sp>
-      <p:pic>
-        <p:nvPicPr>
-          <p:cNvPr id="8" name="Picture 7">
-            <a:extLst>
-              <a:ext uri="{FF2B5EF4-FFF2-40B4-BE49-F238E27FC236}">
-                <a16:creationId xmlns:a16="http://schemas.microsoft.com/office/drawing/2014/main" id="{521D4292-9ECC-4DA5-8CC0-C561A0DA118E}"/>
-              </a:ext>
-            </a:extLst>
-          </p:cNvPr>
-          <p:cNvPicPr>
-            <a:picLocks noChangeAspect="1"/>
-          </p:cNvPicPr>
-          <p:nvPr/>
-        </p:nvPicPr>
-        <p:blipFill rotWithShape="1">
-          <a:blip r:embed="rId3"/>
-          <a:srcRect l="8000" r="9400"/>
-          <a:stretch/>
-        </p:blipFill>
-        <p:spPr>
-          <a:xfrm>
-            <a:off x="660103" y="3048000"/>
-            <a:ext cx="2167974" cy="2624666"/>
-          </a:xfrm>
-          <a:prstGeom prst="rect">
-            <a:avLst/>
-          </a:prstGeom>
-          <a:noFill/>
-        </p:spPr>
-      </p:pic>
-      <p:pic>
-        <p:nvPicPr>
-          <p:cNvPr id="3" name="Picture 2">
-            <a:extLst>
-              <a:ext uri="{FF2B5EF4-FFF2-40B4-BE49-F238E27FC236}">
-                <a16:creationId xmlns:a16="http://schemas.microsoft.com/office/drawing/2014/main" id="{73794F2B-BA91-4BCB-8D4F-466EE2BCFCFA}"/>
-              </a:ext>
-            </a:extLst>
-          </p:cNvPr>
-          <p:cNvPicPr>
-            <a:picLocks noChangeAspect="1"/>
-          </p:cNvPicPr>
-          <p:nvPr/>
-        </p:nvPicPr>
-        <p:blipFill>
-          <a:blip r:embed="rId4"/>
-          <a:stretch>
-            <a:fillRect/>
-          </a:stretch>
-        </p:blipFill>
-        <p:spPr>
-          <a:xfrm>
-            <a:off x="7122773" y="3122428"/>
-            <a:ext cx="1945027" cy="3657600"/>
-          </a:xfrm>
-          <a:prstGeom prst="rect">
-            <a:avLst/>
-          </a:prstGeom>
-        </p:spPr>
-        <p:style>
-          <a:lnRef idx="2">
-            <a:schemeClr val="dk1"/>
-          </a:lnRef>
-          <a:fillRef idx="1">
-            <a:schemeClr val="lt1"/>
-          </a:fillRef>
-          <a:effectRef idx="0">
-            <a:schemeClr val="dk1"/>
-          </a:effectRef>
-          <a:fontRef idx="minor">
-            <a:schemeClr val="dk1"/>
-          </a:fontRef>
-        </p:style>
-      </p:pic>
-    </p:spTree>
-    <p:custDataLst>
-      <p:tags r:id="rId1"/>
-    </p:custDataLst>
-    <p:extLst>
-      <p:ext uri="{BB962C8B-B14F-4D97-AF65-F5344CB8AC3E}">
-        <p14:creationId xmlns:p14="http://schemas.microsoft.com/office/powerpoint/2010/main" val="762099012"/>
-      </p:ext>
-    </p:extLst>
-  </p:cSld>
-  <p:clrMapOvr>
-    <a:masterClrMapping/>
-  </p:clrMapOvr>
-</p:sld>
-</file>
-
-<file path=ppt/slides/slide32.xml><?xml version="1.0" encoding="utf-8"?>
-<p:sld xmlns:a="http://schemas.openxmlformats.org/drawingml/2006/main" xmlns:r="http://schemas.openxmlformats.org/officeDocument/2006/relationships" xmlns:p="http://schemas.openxmlformats.org/presentationml/2006/main">
-  <p:cSld>
-    <p:bg>
-      <p:bgPr>
-        <a:solidFill>
-          <a:schemeClr val="bg1">
-            <a:lumMod val="85000"/>
-          </a:schemeClr>
-        </a:solidFill>
-        <a:effectLst/>
-      </p:bgPr>
-    </p:bg>
-    <p:spTree>
-      <p:nvGrpSpPr>
-        <p:cNvPr id="1" name=""/>
-        <p:cNvGrpSpPr/>
-        <p:nvPr/>
-      </p:nvGrpSpPr>
-      <p:grpSpPr>
-        <a:xfrm>
-          <a:off x="0" y="0"/>
-          <a:ext cx="0" cy="0"/>
-          <a:chOff x="0" y="0"/>
-          <a:chExt cx="0" cy="0"/>
-        </a:xfrm>
-      </p:grpSpPr>
-      <p:sp>
-        <p:nvSpPr>
-          <p:cNvPr id="6" name="TextBox 5">
-            <a:extLst>
-              <a:ext uri="{FF2B5EF4-FFF2-40B4-BE49-F238E27FC236}">
-                <a16:creationId xmlns:a16="http://schemas.microsoft.com/office/drawing/2014/main" id="{16EA8ACD-ADC6-4FBA-8160-DA5647025936}"/>
-              </a:ext>
-            </a:extLst>
-          </p:cNvPr>
-          <p:cNvSpPr txBox="1"/>
-          <p:nvPr/>
-        </p:nvSpPr>
-        <p:spPr>
-          <a:xfrm>
-            <a:off x="3733800" y="643467"/>
-            <a:ext cx="5334000" cy="830997"/>
-          </a:xfrm>
-          <a:prstGeom prst="rect">
-            <a:avLst/>
-          </a:prstGeom>
-          <a:noFill/>
-        </p:spPr>
-        <p:txBody>
-          <a:bodyPr wrap="square" rtlCol="0">
-            <a:spAutoFit/>
-          </a:bodyPr>
-          <a:lstStyle/>
-          <a:p>
-            <a:pPr marL="342900" indent="-342900">
-              <a:buFont typeface="Arial" panose="020B0604020202020204" pitchFamily="34" charset="0"/>
-              <a:buChar char="•"/>
-              <a:defRPr/>
-            </a:pPr>
-            <a:r>
-              <a:rPr lang="en-US" dirty="0">
-                <a:solidFill>
-                  <a:srgbClr val="404040"/>
-                </a:solidFill>
-              </a:rPr>
-              <a:t>Chunk 3 (Continued)</a:t>
-            </a:r>
-          </a:p>
-          <a:p>
-            <a:pPr marL="800100" lvl="1" indent="-342900">
-              <a:buFont typeface="Arial" panose="020B0604020202020204" pitchFamily="34" charset="0"/>
-              <a:buChar char="•"/>
-              <a:defRPr/>
-            </a:pPr>
-            <a:r>
-              <a:rPr lang="en-US" dirty="0">
-                <a:solidFill>
-                  <a:srgbClr val="404040"/>
-                </a:solidFill>
-              </a:rPr>
-              <a:t>Comparing Predict and Actual</a:t>
-            </a:r>
-          </a:p>
-        </p:txBody>
-      </p:sp>
-      <p:sp>
-        <p:nvSpPr>
-          <p:cNvPr id="15" name="Rectangle 12">
-            <a:extLst>
-              <a:ext uri="{FF2B5EF4-FFF2-40B4-BE49-F238E27FC236}">
-                <a16:creationId xmlns:a16="http://schemas.microsoft.com/office/drawing/2014/main" id="{867D4867-5BA7-4462-B2F6-A23F4A622AA7}"/>
-              </a:ext>
-              <a:ext uri="{C183D7F6-B498-43B3-948B-1728B52AA6E4}">
-                <adec:decorative xmlns:adec="http://schemas.microsoft.com/office/drawing/2017/decorative" val="1"/>
-              </a:ext>
-            </a:extLst>
-          </p:cNvPr>
-          <p:cNvSpPr>
-            <a:spLocks noGrp="1" noRot="1" noChangeAspect="1" noMove="1" noResize="1" noEditPoints="1" noAdjustHandles="1" noChangeArrowheads="1" noChangeShapeType="1" noTextEdit="1"/>
-          </p:cNvSpPr>
-          <p:nvPr>
-            <p:extLst>
-              <p:ext uri="{386F3935-93C4-4BCD-93E2-E3B085C9AB24}">
-                <p16:designElem xmlns:p16="http://schemas.microsoft.com/office/powerpoint/2015/main" val="1"/>
-              </p:ext>
-            </p:extLst>
-          </p:nvPr>
-        </p:nvSpPr>
-        <p:spPr>
-          <a:xfrm>
-            <a:off x="0" y="0"/>
-            <a:ext cx="3490722" cy="6858000"/>
-          </a:xfrm>
-          <a:prstGeom prst="rect">
-            <a:avLst/>
-          </a:prstGeom>
-          <a:solidFill>
-            <a:schemeClr val="tx1">
-              <a:lumMod val="75000"/>
-              <a:lumOff val="25000"/>
-            </a:schemeClr>
-          </a:solidFill>
-          <a:ln>
-            <a:noFill/>
-          </a:ln>
-        </p:spPr>
-        <p:style>
-          <a:lnRef idx="0">
-            <a:scrgbClr r="0" g="0" b="0"/>
-          </a:lnRef>
-          <a:fillRef idx="0">
-            <a:scrgbClr r="0" g="0" b="0"/>
-          </a:fillRef>
-          <a:effectRef idx="0">
-            <a:scrgbClr r="0" g="0" b="0"/>
-          </a:effectRef>
-          <a:fontRef idx="minor">
-            <a:schemeClr val="lt1"/>
-          </a:fontRef>
-        </p:style>
-        <p:txBody>
-          <a:bodyPr rtlCol="0" anchor="ctr"/>
-          <a:lstStyle/>
-          <a:p>
-            <a:pPr marL="0" marR="0" lvl="0" indent="0" algn="ctr" defTabSz="457200" rtl="0" eaLnBrk="1" fontAlgn="base" latinLnBrk="0" hangingPunct="1">
-              <a:lnSpc>
-                <a:spcPct val="100000"/>
-              </a:lnSpc>
-              <a:spcBef>
-                <a:spcPct val="0"/>
-              </a:spcBef>
-              <a:spcAft>
-                <a:spcPct val="0"/>
-              </a:spcAft>
-              <a:buClrTx/>
-              <a:buSzTx/>
-              <a:buFontTx/>
-              <a:buNone/>
-              <a:tabLst/>
-              <a:defRPr/>
-            </a:pPr>
-            <a:endParaRPr kumimoji="0" lang="en-US" sz="2400" b="0" i="0" u="none" strike="noStrike" kern="1200" cap="none" spc="0" normalizeH="0" baseline="0" noProof="0">
-              <a:ln>
-                <a:noFill/>
-              </a:ln>
-              <a:solidFill>
-                <a:prstClr val="white"/>
-              </a:solidFill>
-              <a:effectLst/>
-              <a:uLnTx/>
-              <a:uFillTx/>
-              <a:latin typeface="Calibri"/>
-              <a:ea typeface="+mn-ea"/>
-              <a:cs typeface="+mn-cs"/>
-            </a:endParaRPr>
-          </a:p>
-        </p:txBody>
-      </p:sp>
-      <p:sp>
-        <p:nvSpPr>
-          <p:cNvPr id="2" name="Title 1"/>
-          <p:cNvSpPr>
-            <a:spLocks noGrp="1"/>
-          </p:cNvSpPr>
-          <p:nvPr>
-            <p:ph type="title"/>
-          </p:nvPr>
-        </p:nvSpPr>
-        <p:spPr>
-          <a:xfrm>
-            <a:off x="482600" y="643467"/>
-            <a:ext cx="2522980" cy="1597315"/>
-          </a:xfrm>
-          <a:noFill/>
-          <a:ln w="19050">
-            <a:solidFill>
-              <a:schemeClr val="bg1"/>
-            </a:solidFill>
-          </a:ln>
-        </p:spPr>
-        <p:txBody>
-          <a:bodyPr vert="horz" wrap="square" lIns="91440" tIns="45720" rIns="91440" bIns="45720" rtlCol="0" anchor="ctr">
-            <a:normAutofit/>
-          </a:bodyPr>
-          <a:lstStyle/>
-          <a:p>
-            <a:pPr defTabSz="914400" eaLnBrk="1" hangingPunct="1">
-              <a:lnSpc>
-                <a:spcPct val="90000"/>
-              </a:lnSpc>
-            </a:pPr>
-            <a:r>
-              <a:rPr lang="en-US" sz="2400" dirty="0">
-                <a:solidFill>
-                  <a:schemeClr val="bg1"/>
-                </a:solidFill>
-                <a:ea typeface="+mj-ea"/>
-                <a:cs typeface="+mj-cs"/>
-              </a:rPr>
-              <a:t>Part 3: Less Meditation and More Application</a:t>
-            </a:r>
-            <a:endParaRPr lang="en-US" sz="2400" kern="1200" dirty="0">
-              <a:solidFill>
-                <a:schemeClr val="bg1"/>
-              </a:solidFill>
-              <a:latin typeface="+mj-lt"/>
-              <a:ea typeface="+mj-ea"/>
-              <a:cs typeface="+mj-cs"/>
-            </a:endParaRPr>
-          </a:p>
-        </p:txBody>
-      </p:sp>
-      <p:pic>
-        <p:nvPicPr>
-          <p:cNvPr id="8" name="Picture 7">
-            <a:extLst>
-              <a:ext uri="{FF2B5EF4-FFF2-40B4-BE49-F238E27FC236}">
-                <a16:creationId xmlns:a16="http://schemas.microsoft.com/office/drawing/2014/main" id="{521D4292-9ECC-4DA5-8CC0-C561A0DA118E}"/>
-              </a:ext>
-            </a:extLst>
-          </p:cNvPr>
-          <p:cNvPicPr>
-            <a:picLocks noChangeAspect="1"/>
-          </p:cNvPicPr>
-          <p:nvPr/>
-        </p:nvPicPr>
-        <p:blipFill rotWithShape="1">
-          <a:blip r:embed="rId3"/>
-          <a:srcRect l="8000" r="9400"/>
-          <a:stretch/>
-        </p:blipFill>
-        <p:spPr>
-          <a:xfrm>
-            <a:off x="660103" y="3048000"/>
-            <a:ext cx="2167974" cy="2624666"/>
-          </a:xfrm>
-          <a:prstGeom prst="rect">
-            <a:avLst/>
-          </a:prstGeom>
-          <a:noFill/>
-        </p:spPr>
-      </p:pic>
-      <p:pic>
-        <p:nvPicPr>
-          <p:cNvPr id="4" name="Picture 3">
-            <a:extLst>
-              <a:ext uri="{FF2B5EF4-FFF2-40B4-BE49-F238E27FC236}">
-                <a16:creationId xmlns:a16="http://schemas.microsoft.com/office/drawing/2014/main" id="{33F4A8A0-9894-4301-AD69-EA6AA79B75B9}"/>
-              </a:ext>
-            </a:extLst>
-          </p:cNvPr>
-          <p:cNvPicPr>
-            <a:picLocks noChangeAspect="1"/>
-          </p:cNvPicPr>
-          <p:nvPr/>
-        </p:nvPicPr>
-        <p:blipFill>
-          <a:blip r:embed="rId4"/>
-          <a:stretch>
-            <a:fillRect/>
-          </a:stretch>
-        </p:blipFill>
-        <p:spPr>
-          <a:xfrm>
-            <a:off x="3593198" y="1524000"/>
-            <a:ext cx="5474602" cy="3286125"/>
-          </a:xfrm>
-          <a:prstGeom prst="rect">
-            <a:avLst/>
-          </a:prstGeom>
-          <a:ln>
-            <a:solidFill>
-              <a:srgbClr val="404040"/>
-            </a:solidFill>
-          </a:ln>
-        </p:spPr>
-        <p:style>
-          <a:lnRef idx="2">
-            <a:schemeClr val="dk1"/>
-          </a:lnRef>
-          <a:fillRef idx="1">
-            <a:schemeClr val="lt1"/>
-          </a:fillRef>
-          <a:effectRef idx="0">
-            <a:schemeClr val="dk1"/>
-          </a:effectRef>
-          <a:fontRef idx="minor">
-            <a:schemeClr val="dk1"/>
-          </a:fontRef>
-        </p:style>
-      </p:pic>
-    </p:spTree>
-    <p:custDataLst>
-      <p:tags r:id="rId1"/>
-    </p:custDataLst>
-    <p:extLst>
-      <p:ext uri="{BB962C8B-B14F-4D97-AF65-F5344CB8AC3E}">
-        <p14:creationId xmlns:p14="http://schemas.microsoft.com/office/powerpoint/2010/main" val="3976420269"/>
-      </p:ext>
-    </p:extLst>
-  </p:cSld>
-  <p:clrMapOvr>
-    <a:masterClrMapping/>
-  </p:clrMapOvr>
-</p:sld>
-</file>
-
-<file path=ppt/slides/slide33.xml><?xml version="1.0" encoding="utf-8"?>
-<p:sld xmlns:a="http://schemas.openxmlformats.org/drawingml/2006/main" xmlns:r="http://schemas.openxmlformats.org/officeDocument/2006/relationships" xmlns:p="http://schemas.openxmlformats.org/presentationml/2006/main">
-  <p:cSld>
-    <p:bg>
-      <p:bgPr>
-        <a:solidFill>
-          <a:schemeClr val="bg1">
-            <a:lumMod val="85000"/>
-          </a:schemeClr>
-        </a:solidFill>
-        <a:effectLst/>
-      </p:bgPr>
-    </p:bg>
-    <p:spTree>
-      <p:nvGrpSpPr>
-        <p:cNvPr id="1" name=""/>
-        <p:cNvGrpSpPr/>
-        <p:nvPr/>
-      </p:nvGrpSpPr>
-      <p:grpSpPr>
-        <a:xfrm>
-          <a:off x="0" y="0"/>
-          <a:ext cx="0" cy="0"/>
-          <a:chOff x="0" y="0"/>
-          <a:chExt cx="0" cy="0"/>
-        </a:xfrm>
-      </p:grpSpPr>
-      <p:sp>
-        <p:nvSpPr>
-          <p:cNvPr id="6" name="TextBox 5">
-            <a:extLst>
-              <a:ext uri="{FF2B5EF4-FFF2-40B4-BE49-F238E27FC236}">
-                <a16:creationId xmlns:a16="http://schemas.microsoft.com/office/drawing/2014/main" id="{16EA8ACD-ADC6-4FBA-8160-DA5647025936}"/>
-              </a:ext>
-            </a:extLst>
-          </p:cNvPr>
-          <p:cNvSpPr txBox="1"/>
-          <p:nvPr/>
-        </p:nvSpPr>
-        <p:spPr>
-          <a:xfrm>
-            <a:off x="3733800" y="643467"/>
-            <a:ext cx="5334000" cy="830997"/>
-          </a:xfrm>
-          <a:prstGeom prst="rect">
-            <a:avLst/>
-          </a:prstGeom>
-          <a:noFill/>
-        </p:spPr>
-        <p:txBody>
-          <a:bodyPr wrap="square" rtlCol="0">
-            <a:spAutoFit/>
-          </a:bodyPr>
-          <a:lstStyle/>
-          <a:p>
-            <a:pPr marL="342900" indent="-342900">
-              <a:buFont typeface="Arial" panose="020B0604020202020204" pitchFamily="34" charset="0"/>
-              <a:buChar char="•"/>
-              <a:defRPr/>
-            </a:pPr>
-            <a:r>
-              <a:rPr lang="en-US" dirty="0">
-                <a:solidFill>
-                  <a:srgbClr val="404040"/>
-                </a:solidFill>
-              </a:rPr>
-              <a:t>Chunk 3 (Continued)</a:t>
-            </a:r>
-          </a:p>
-          <a:p>
-            <a:pPr marL="800100" lvl="1" indent="-342900">
-              <a:buFont typeface="Arial" panose="020B0604020202020204" pitchFamily="34" charset="0"/>
-              <a:buChar char="•"/>
-              <a:defRPr/>
-            </a:pPr>
-            <a:r>
-              <a:rPr lang="en-US" dirty="0">
-                <a:solidFill>
-                  <a:srgbClr val="404040"/>
-                </a:solidFill>
-              </a:rPr>
-              <a:t>Distribution of Residuals</a:t>
-            </a:r>
-          </a:p>
-        </p:txBody>
-      </p:sp>
-      <p:sp>
-        <p:nvSpPr>
-          <p:cNvPr id="15" name="Rectangle 12">
-            <a:extLst>
-              <a:ext uri="{FF2B5EF4-FFF2-40B4-BE49-F238E27FC236}">
-                <a16:creationId xmlns:a16="http://schemas.microsoft.com/office/drawing/2014/main" id="{867D4867-5BA7-4462-B2F6-A23F4A622AA7}"/>
-              </a:ext>
-              <a:ext uri="{C183D7F6-B498-43B3-948B-1728B52AA6E4}">
-                <adec:decorative xmlns:adec="http://schemas.microsoft.com/office/drawing/2017/decorative" val="1"/>
-              </a:ext>
-            </a:extLst>
-          </p:cNvPr>
-          <p:cNvSpPr>
-            <a:spLocks noGrp="1" noRot="1" noChangeAspect="1" noMove="1" noResize="1" noEditPoints="1" noAdjustHandles="1" noChangeArrowheads="1" noChangeShapeType="1" noTextEdit="1"/>
-          </p:cNvSpPr>
-          <p:nvPr>
-            <p:extLst>
-              <p:ext uri="{386F3935-93C4-4BCD-93E2-E3B085C9AB24}">
-                <p16:designElem xmlns:p16="http://schemas.microsoft.com/office/powerpoint/2015/main" val="1"/>
-              </p:ext>
-            </p:extLst>
-          </p:nvPr>
-        </p:nvSpPr>
-        <p:spPr>
-          <a:xfrm>
-            <a:off x="0" y="0"/>
-            <a:ext cx="3490722" cy="6858000"/>
-          </a:xfrm>
-          <a:prstGeom prst="rect">
-            <a:avLst/>
-          </a:prstGeom>
-          <a:solidFill>
-            <a:schemeClr val="tx1">
-              <a:lumMod val="75000"/>
-              <a:lumOff val="25000"/>
-            </a:schemeClr>
-          </a:solidFill>
-          <a:ln>
-            <a:noFill/>
-          </a:ln>
-        </p:spPr>
-        <p:style>
-          <a:lnRef idx="0">
-            <a:scrgbClr r="0" g="0" b="0"/>
-          </a:lnRef>
-          <a:fillRef idx="0">
-            <a:scrgbClr r="0" g="0" b="0"/>
-          </a:fillRef>
-          <a:effectRef idx="0">
-            <a:scrgbClr r="0" g="0" b="0"/>
-          </a:effectRef>
-          <a:fontRef idx="minor">
-            <a:schemeClr val="lt1"/>
-          </a:fontRef>
-        </p:style>
-        <p:txBody>
-          <a:bodyPr rtlCol="0" anchor="ctr"/>
-          <a:lstStyle/>
-          <a:p>
-            <a:pPr marL="0" marR="0" lvl="0" indent="0" algn="ctr" defTabSz="457200" rtl="0" eaLnBrk="1" fontAlgn="base" latinLnBrk="0" hangingPunct="1">
-              <a:lnSpc>
-                <a:spcPct val="100000"/>
-              </a:lnSpc>
-              <a:spcBef>
-                <a:spcPct val="0"/>
-              </a:spcBef>
-              <a:spcAft>
-                <a:spcPct val="0"/>
-              </a:spcAft>
-              <a:buClrTx/>
-              <a:buSzTx/>
-              <a:buFontTx/>
-              <a:buNone/>
-              <a:tabLst/>
-              <a:defRPr/>
-            </a:pPr>
-            <a:endParaRPr kumimoji="0" lang="en-US" sz="2400" b="0" i="0" u="none" strike="noStrike" kern="1200" cap="none" spc="0" normalizeH="0" baseline="0" noProof="0">
-              <a:ln>
-                <a:noFill/>
-              </a:ln>
-              <a:solidFill>
-                <a:prstClr val="white"/>
-              </a:solidFill>
-              <a:effectLst/>
-              <a:uLnTx/>
-              <a:uFillTx/>
-              <a:latin typeface="Calibri"/>
-              <a:ea typeface="+mn-ea"/>
-              <a:cs typeface="+mn-cs"/>
-            </a:endParaRPr>
-          </a:p>
-        </p:txBody>
-      </p:sp>
-      <p:sp>
-        <p:nvSpPr>
-          <p:cNvPr id="2" name="Title 1"/>
-          <p:cNvSpPr>
-            <a:spLocks noGrp="1"/>
-          </p:cNvSpPr>
-          <p:nvPr>
-            <p:ph type="title"/>
-          </p:nvPr>
-        </p:nvSpPr>
-        <p:spPr>
-          <a:xfrm>
-            <a:off x="482600" y="643467"/>
-            <a:ext cx="2522980" cy="1597315"/>
-          </a:xfrm>
-          <a:noFill/>
-          <a:ln w="19050">
-            <a:solidFill>
-              <a:schemeClr val="bg1"/>
-            </a:solidFill>
-          </a:ln>
-        </p:spPr>
-        <p:txBody>
-          <a:bodyPr vert="horz" wrap="square" lIns="91440" tIns="45720" rIns="91440" bIns="45720" rtlCol="0" anchor="ctr">
-            <a:normAutofit/>
-          </a:bodyPr>
-          <a:lstStyle/>
-          <a:p>
-            <a:pPr defTabSz="914400" eaLnBrk="1" hangingPunct="1">
-              <a:lnSpc>
-                <a:spcPct val="90000"/>
-              </a:lnSpc>
-            </a:pPr>
-            <a:r>
-              <a:rPr lang="en-US" sz="2400" dirty="0">
-                <a:solidFill>
-                  <a:schemeClr val="bg1"/>
-                </a:solidFill>
-                <a:ea typeface="+mj-ea"/>
-                <a:cs typeface="+mj-cs"/>
-              </a:rPr>
-              <a:t>Part 3: Less Meditation and More Application</a:t>
-            </a:r>
-            <a:endParaRPr lang="en-US" sz="2400" kern="1200" dirty="0">
-              <a:solidFill>
-                <a:schemeClr val="bg1"/>
-              </a:solidFill>
-              <a:latin typeface="+mj-lt"/>
-              <a:ea typeface="+mj-ea"/>
-              <a:cs typeface="+mj-cs"/>
-            </a:endParaRPr>
-          </a:p>
-        </p:txBody>
-      </p:sp>
-      <p:pic>
-        <p:nvPicPr>
-          <p:cNvPr id="8" name="Picture 7">
-            <a:extLst>
-              <a:ext uri="{FF2B5EF4-FFF2-40B4-BE49-F238E27FC236}">
-                <a16:creationId xmlns:a16="http://schemas.microsoft.com/office/drawing/2014/main" id="{521D4292-9ECC-4DA5-8CC0-C561A0DA118E}"/>
-              </a:ext>
-            </a:extLst>
-          </p:cNvPr>
-          <p:cNvPicPr>
-            <a:picLocks noChangeAspect="1"/>
-          </p:cNvPicPr>
-          <p:nvPr/>
-        </p:nvPicPr>
-        <p:blipFill rotWithShape="1">
-          <a:blip r:embed="rId3"/>
-          <a:srcRect l="8000" r="9400"/>
-          <a:stretch/>
-        </p:blipFill>
-        <p:spPr>
-          <a:xfrm>
-            <a:off x="660103" y="3048000"/>
-            <a:ext cx="2167974" cy="2624666"/>
-          </a:xfrm>
-          <a:prstGeom prst="rect">
-            <a:avLst/>
-          </a:prstGeom>
-          <a:noFill/>
-        </p:spPr>
-      </p:pic>
-      <p:pic>
-        <p:nvPicPr>
-          <p:cNvPr id="3" name="Picture 2">
-            <a:extLst>
-              <a:ext uri="{FF2B5EF4-FFF2-40B4-BE49-F238E27FC236}">
-                <a16:creationId xmlns:a16="http://schemas.microsoft.com/office/drawing/2014/main" id="{7AD5AE29-4D4D-41D2-923B-D045F53838A9}"/>
-              </a:ext>
-            </a:extLst>
-          </p:cNvPr>
-          <p:cNvPicPr>
-            <a:picLocks noChangeAspect="1"/>
-          </p:cNvPicPr>
-          <p:nvPr/>
-        </p:nvPicPr>
-        <p:blipFill>
-          <a:blip r:embed="rId4"/>
-          <a:stretch>
-            <a:fillRect/>
-          </a:stretch>
-        </p:blipFill>
-        <p:spPr>
-          <a:xfrm>
-            <a:off x="3583348" y="1478008"/>
-            <a:ext cx="5484451" cy="3320798"/>
-          </a:xfrm>
-          <a:prstGeom prst="rect">
-            <a:avLst/>
-          </a:prstGeom>
-          <a:ln>
-            <a:solidFill>
-              <a:srgbClr val="404040"/>
-            </a:solidFill>
-          </a:ln>
-        </p:spPr>
-        <p:style>
-          <a:lnRef idx="2">
-            <a:schemeClr val="dk1"/>
-          </a:lnRef>
-          <a:fillRef idx="1">
-            <a:schemeClr val="lt1"/>
-          </a:fillRef>
-          <a:effectRef idx="0">
-            <a:schemeClr val="dk1"/>
-          </a:effectRef>
-          <a:fontRef idx="minor">
-            <a:schemeClr val="dk1"/>
-          </a:fontRef>
-        </p:style>
-      </p:pic>
-    </p:spTree>
-    <p:custDataLst>
-      <p:tags r:id="rId1"/>
-    </p:custDataLst>
-    <p:extLst>
-      <p:ext uri="{BB962C8B-B14F-4D97-AF65-F5344CB8AC3E}">
-        <p14:creationId xmlns:p14="http://schemas.microsoft.com/office/powerpoint/2010/main" val="370323443"/>
-      </p:ext>
-    </p:extLst>
-  </p:cSld>
-  <p:clrMapOvr>
-    <a:masterClrMapping/>
-  </p:clrMapOvr>
-</p:sld>
-</file>
-
-<file path=ppt/slides/slide34.xml><?xml version="1.0" encoding="utf-8"?>
 <p:sld xmlns:a="http://schemas.openxmlformats.org/drawingml/2006/main" xmlns:r="http://schemas.openxmlformats.org/officeDocument/2006/relationships" xmlns:p="http://schemas.openxmlformats.org/presentationml/2006/main">
   <p:cSld>
     <p:bg>
@@ -22277,6 +18222,282 @@
     <p:extLst>
       <p:ext uri="{BB962C8B-B14F-4D97-AF65-F5344CB8AC3E}">
         <p14:creationId xmlns:p14="http://schemas.microsoft.com/office/powerpoint/2010/main" val="3647066437"/>
+      </p:ext>
+    </p:extLst>
+  </p:cSld>
+  <p:clrMapOvr>
+    <a:masterClrMapping/>
+  </p:clrMapOvr>
+</p:sld>
+</file>
+
+<file path=ppt/slides/slide3.xml><?xml version="1.0" encoding="utf-8"?>
+<p:sld xmlns:a="http://schemas.openxmlformats.org/drawingml/2006/main" xmlns:r="http://schemas.openxmlformats.org/officeDocument/2006/relationships" xmlns:p="http://schemas.openxmlformats.org/presentationml/2006/main">
+  <p:cSld>
+    <p:bg>
+      <p:bgPr>
+        <a:solidFill>
+          <a:schemeClr val="bg1">
+            <a:lumMod val="85000"/>
+          </a:schemeClr>
+        </a:solidFill>
+        <a:effectLst/>
+      </p:bgPr>
+    </p:bg>
+    <p:spTree>
+      <p:nvGrpSpPr>
+        <p:cNvPr id="1" name=""/>
+        <p:cNvGrpSpPr/>
+        <p:nvPr/>
+      </p:nvGrpSpPr>
+      <p:grpSpPr>
+        <a:xfrm>
+          <a:off x="0" y="0"/>
+          <a:ext cx="0" cy="0"/>
+          <a:chOff x="0" y="0"/>
+          <a:chExt cx="0" cy="0"/>
+        </a:xfrm>
+      </p:grpSpPr>
+      <p:sp>
+        <p:nvSpPr>
+          <p:cNvPr id="15" name="Rectangle 12">
+            <a:extLst>
+              <a:ext uri="{FF2B5EF4-FFF2-40B4-BE49-F238E27FC236}">
+                <a16:creationId xmlns:a16="http://schemas.microsoft.com/office/drawing/2014/main" id="{867D4867-5BA7-4462-B2F6-A23F4A622AA7}"/>
+              </a:ext>
+              <a:ext uri="{C183D7F6-B498-43B3-948B-1728B52AA6E4}">
+                <adec:decorative xmlns:adec="http://schemas.microsoft.com/office/drawing/2017/decorative" val="1"/>
+              </a:ext>
+            </a:extLst>
+          </p:cNvPr>
+          <p:cNvSpPr>
+            <a:spLocks noGrp="1" noRot="1" noChangeAspect="1" noMove="1" noResize="1" noEditPoints="1" noAdjustHandles="1" noChangeArrowheads="1" noChangeShapeType="1" noTextEdit="1"/>
+          </p:cNvSpPr>
+          <p:nvPr>
+            <p:extLst>
+              <p:ext uri="{386F3935-93C4-4BCD-93E2-E3B085C9AB24}">
+                <p16:designElem xmlns:p16="http://schemas.microsoft.com/office/powerpoint/2015/main" val="1"/>
+              </p:ext>
+            </p:extLst>
+          </p:nvPr>
+        </p:nvSpPr>
+        <p:spPr>
+          <a:xfrm>
+            <a:off x="0" y="0"/>
+            <a:ext cx="3490722" cy="6858000"/>
+          </a:xfrm>
+          <a:prstGeom prst="rect">
+            <a:avLst/>
+          </a:prstGeom>
+          <a:solidFill>
+            <a:schemeClr val="tx1">
+              <a:lumMod val="75000"/>
+              <a:lumOff val="25000"/>
+            </a:schemeClr>
+          </a:solidFill>
+          <a:ln>
+            <a:noFill/>
+          </a:ln>
+        </p:spPr>
+        <p:style>
+          <a:lnRef idx="0">
+            <a:scrgbClr r="0" g="0" b="0"/>
+          </a:lnRef>
+          <a:fillRef idx="0">
+            <a:scrgbClr r="0" g="0" b="0"/>
+          </a:fillRef>
+          <a:effectRef idx="0">
+            <a:scrgbClr r="0" g="0" b="0"/>
+          </a:effectRef>
+          <a:fontRef idx="minor">
+            <a:schemeClr val="lt1"/>
+          </a:fontRef>
+        </p:style>
+        <p:txBody>
+          <a:bodyPr rtlCol="0" anchor="ctr"/>
+          <a:lstStyle/>
+          <a:p>
+            <a:pPr marL="0" marR="0" lvl="0" indent="0" algn="ctr" defTabSz="457200" rtl="0" eaLnBrk="1" fontAlgn="base" latinLnBrk="0" hangingPunct="1">
+              <a:lnSpc>
+                <a:spcPct val="100000"/>
+              </a:lnSpc>
+              <a:spcBef>
+                <a:spcPct val="0"/>
+              </a:spcBef>
+              <a:spcAft>
+                <a:spcPct val="0"/>
+              </a:spcAft>
+              <a:buClrTx/>
+              <a:buSzTx/>
+              <a:buFontTx/>
+              <a:buNone/>
+              <a:tabLst/>
+              <a:defRPr/>
+            </a:pPr>
+            <a:endParaRPr kumimoji="0" lang="en-US" sz="2400" b="0" i="0" u="none" strike="noStrike" kern="1200" cap="none" spc="0" normalizeH="0" baseline="0" noProof="0">
+              <a:ln>
+                <a:noFill/>
+              </a:ln>
+              <a:solidFill>
+                <a:prstClr val="white"/>
+              </a:solidFill>
+              <a:effectLst/>
+              <a:uLnTx/>
+              <a:uFillTx/>
+              <a:latin typeface="Calibri"/>
+              <a:ea typeface="+mn-ea"/>
+              <a:cs typeface="+mn-cs"/>
+            </a:endParaRPr>
+          </a:p>
+        </p:txBody>
+      </p:sp>
+      <p:sp>
+        <p:nvSpPr>
+          <p:cNvPr id="2" name="Title 1"/>
+          <p:cNvSpPr>
+            <a:spLocks noGrp="1"/>
+          </p:cNvSpPr>
+          <p:nvPr>
+            <p:ph type="title"/>
+          </p:nvPr>
+        </p:nvSpPr>
+        <p:spPr>
+          <a:xfrm>
+            <a:off x="482600" y="643467"/>
+            <a:ext cx="2522980" cy="1597315"/>
+          </a:xfrm>
+          <a:noFill/>
+          <a:ln w="19050">
+            <a:solidFill>
+              <a:schemeClr val="bg1"/>
+            </a:solidFill>
+          </a:ln>
+        </p:spPr>
+        <p:txBody>
+          <a:bodyPr vert="horz" wrap="square" lIns="91440" tIns="45720" rIns="91440" bIns="45720" rtlCol="0" anchor="ctr">
+            <a:normAutofit/>
+          </a:bodyPr>
+          <a:lstStyle/>
+          <a:p>
+            <a:pPr defTabSz="914400" eaLnBrk="1" hangingPunct="1">
+              <a:lnSpc>
+                <a:spcPct val="90000"/>
+              </a:lnSpc>
+            </a:pPr>
+            <a:r>
+              <a:rPr lang="en-US" sz="2400" dirty="0">
+                <a:solidFill>
+                  <a:schemeClr val="bg1"/>
+                </a:solidFill>
+                <a:ea typeface="+mj-ea"/>
+                <a:cs typeface="+mj-cs"/>
+              </a:rPr>
+              <a:t>Introduction</a:t>
+            </a:r>
+            <a:endParaRPr lang="en-US" sz="2400" kern="1200" dirty="0">
+              <a:solidFill>
+                <a:schemeClr val="bg1"/>
+              </a:solidFill>
+              <a:latin typeface="+mj-lt"/>
+              <a:ea typeface="+mj-ea"/>
+              <a:cs typeface="+mj-cs"/>
+            </a:endParaRPr>
+          </a:p>
+        </p:txBody>
+      </p:sp>
+      <p:pic>
+        <p:nvPicPr>
+          <p:cNvPr id="8" name="Picture 7">
+            <a:extLst>
+              <a:ext uri="{FF2B5EF4-FFF2-40B4-BE49-F238E27FC236}">
+                <a16:creationId xmlns:a16="http://schemas.microsoft.com/office/drawing/2014/main" id="{521D4292-9ECC-4DA5-8CC0-C561A0DA118E}"/>
+              </a:ext>
+            </a:extLst>
+          </p:cNvPr>
+          <p:cNvPicPr>
+            <a:picLocks noChangeAspect="1"/>
+          </p:cNvPicPr>
+          <p:nvPr/>
+        </p:nvPicPr>
+        <p:blipFill rotWithShape="1">
+          <a:blip r:embed="rId3"/>
+          <a:srcRect l="8000" r="9400"/>
+          <a:stretch/>
+        </p:blipFill>
+        <p:spPr>
+          <a:xfrm>
+            <a:off x="660103" y="3048000"/>
+            <a:ext cx="2167974" cy="2624666"/>
+          </a:xfrm>
+          <a:prstGeom prst="rect">
+            <a:avLst/>
+          </a:prstGeom>
+          <a:noFill/>
+        </p:spPr>
+      </p:pic>
+      <p:sp>
+        <p:nvSpPr>
+          <p:cNvPr id="3" name="TextBox 2">
+            <a:extLst>
+              <a:ext uri="{FF2B5EF4-FFF2-40B4-BE49-F238E27FC236}">
+                <a16:creationId xmlns:a16="http://schemas.microsoft.com/office/drawing/2014/main" id="{67AD3B8A-8FD9-4550-98FB-579F22250127}"/>
+              </a:ext>
+            </a:extLst>
+          </p:cNvPr>
+          <p:cNvSpPr txBox="1"/>
+          <p:nvPr/>
+        </p:nvSpPr>
+        <p:spPr>
+          <a:xfrm>
+            <a:off x="3886200" y="914400"/>
+            <a:ext cx="5105400" cy="3293209"/>
+          </a:xfrm>
+          <a:prstGeom prst="rect">
+            <a:avLst/>
+          </a:prstGeom>
+          <a:noFill/>
+        </p:spPr>
+        <p:txBody>
+          <a:bodyPr wrap="square" rtlCol="0">
+            <a:spAutoFit/>
+          </a:bodyPr>
+          <a:lstStyle/>
+          <a:p>
+            <a:pPr algn="ctr"/>
+            <a:r>
+              <a:rPr lang="en-US" sz="9600" dirty="0">
+                <a:solidFill>
+                  <a:srgbClr val="404040"/>
+                </a:solidFill>
+              </a:rPr>
+              <a:t>My Data </a:t>
+            </a:r>
+            <a:r>
+              <a:rPr lang="en-US" sz="4000" dirty="0">
+                <a:solidFill>
+                  <a:srgbClr val="404040"/>
+                </a:solidFill>
+              </a:rPr>
+              <a:t>is Bigger than </a:t>
+            </a:r>
+            <a:r>
+              <a:rPr lang="en-US" sz="7200" dirty="0">
+                <a:solidFill>
+                  <a:srgbClr val="404040"/>
+                </a:solidFill>
+              </a:rPr>
+              <a:t>Your Data</a:t>
+            </a:r>
+          </a:p>
+        </p:txBody>
+      </p:sp>
+    </p:spTree>
+    <p:custDataLst>
+      <p:tags r:id="rId1"/>
+    </p:custDataLst>
+    <p:extLst>
+      <p:ext uri="{BB962C8B-B14F-4D97-AF65-F5344CB8AC3E}">
+        <p14:creationId xmlns:p14="http://schemas.microsoft.com/office/powerpoint/2010/main" val="339432760"/>
       </p:ext>
     </p:extLst>
   </p:cSld>
@@ -27616,55 +23837,7 @@
 </p:tagLst>
 </file>
 
-<file path=ppt/tags/tag28.xml><?xml version="1.0" encoding="utf-8"?>
-<p:tagLst xmlns:a="http://schemas.openxmlformats.org/drawingml/2006/main" xmlns:r="http://schemas.openxmlformats.org/officeDocument/2006/relationships" xmlns:p="http://schemas.openxmlformats.org/presentationml/2006/main">
-  <p:tag name="DELIMITERS" val="3.1"/>
-</p:tagLst>
-</file>
-
-<file path=ppt/tags/tag29.xml><?xml version="1.0" encoding="utf-8"?>
-<p:tagLst xmlns:a="http://schemas.openxmlformats.org/drawingml/2006/main" xmlns:r="http://schemas.openxmlformats.org/officeDocument/2006/relationships" xmlns:p="http://schemas.openxmlformats.org/presentationml/2006/main">
-  <p:tag name="DELIMITERS" val="3.1"/>
-</p:tagLst>
-</file>
-
 <file path=ppt/tags/tag3.xml><?xml version="1.0" encoding="utf-8"?>
-<p:tagLst xmlns:a="http://schemas.openxmlformats.org/drawingml/2006/main" xmlns:r="http://schemas.openxmlformats.org/officeDocument/2006/relationships" xmlns:p="http://schemas.openxmlformats.org/presentationml/2006/main">
-  <p:tag name="DELIMITERS" val="3.1"/>
-</p:tagLst>
-</file>
-
-<file path=ppt/tags/tag30.xml><?xml version="1.0" encoding="utf-8"?>
-<p:tagLst xmlns:a="http://schemas.openxmlformats.org/drawingml/2006/main" xmlns:r="http://schemas.openxmlformats.org/officeDocument/2006/relationships" xmlns:p="http://schemas.openxmlformats.org/presentationml/2006/main">
-  <p:tag name="DELIMITERS" val="3.1"/>
-</p:tagLst>
-</file>
-
-<file path=ppt/tags/tag31.xml><?xml version="1.0" encoding="utf-8"?>
-<p:tagLst xmlns:a="http://schemas.openxmlformats.org/drawingml/2006/main" xmlns:r="http://schemas.openxmlformats.org/officeDocument/2006/relationships" xmlns:p="http://schemas.openxmlformats.org/presentationml/2006/main">
-  <p:tag name="DELIMITERS" val="3.1"/>
-</p:tagLst>
-</file>
-
-<file path=ppt/tags/tag32.xml><?xml version="1.0" encoding="utf-8"?>
-<p:tagLst xmlns:a="http://schemas.openxmlformats.org/drawingml/2006/main" xmlns:r="http://schemas.openxmlformats.org/officeDocument/2006/relationships" xmlns:p="http://schemas.openxmlformats.org/presentationml/2006/main">
-  <p:tag name="DELIMITERS" val="3.1"/>
-</p:tagLst>
-</file>
-
-<file path=ppt/tags/tag33.xml><?xml version="1.0" encoding="utf-8"?>
-<p:tagLst xmlns:a="http://schemas.openxmlformats.org/drawingml/2006/main" xmlns:r="http://schemas.openxmlformats.org/officeDocument/2006/relationships" xmlns:p="http://schemas.openxmlformats.org/presentationml/2006/main">
-  <p:tag name="DELIMITERS" val="3.1"/>
-</p:tagLst>
-</file>
-
-<file path=ppt/tags/tag34.xml><?xml version="1.0" encoding="utf-8"?>
-<p:tagLst xmlns:a="http://schemas.openxmlformats.org/drawingml/2006/main" xmlns:r="http://schemas.openxmlformats.org/officeDocument/2006/relationships" xmlns:p="http://schemas.openxmlformats.org/presentationml/2006/main">
-  <p:tag name="DELIMITERS" val="3.1"/>
-</p:tagLst>
-</file>
-
-<file path=ppt/tags/tag35.xml><?xml version="1.0" encoding="utf-8"?>
 <p:tagLst xmlns:a="http://schemas.openxmlformats.org/drawingml/2006/main" xmlns:r="http://schemas.openxmlformats.org/officeDocument/2006/relationships" xmlns:p="http://schemas.openxmlformats.org/presentationml/2006/main">
   <p:tag name="DELIMITERS" val="3.1"/>
 </p:tagLst>
